--- a/slide.pptx
+++ b/slide.pptx
@@ -5,7 +5,7 @@
     <p:sldMasterId id="2147483648" r:id="rId1"/>
   </p:sldMasterIdLst>
   <p:notesMasterIdLst>
-    <p:notesMasterId r:id="rId51"/>
+    <p:notesMasterId r:id="rId49"/>
   </p:notesMasterIdLst>
   <p:sldIdLst>
     <p:sldId id="256" r:id="rId2"/>
@@ -25,52 +25,50 @@
     <p:sldId id="270" r:id="rId16"/>
     <p:sldId id="271" r:id="rId17"/>
     <p:sldId id="272" r:id="rId18"/>
-    <p:sldId id="273" r:id="rId19"/>
-    <p:sldId id="274" r:id="rId20"/>
-    <p:sldId id="275" r:id="rId21"/>
-    <p:sldId id="276" r:id="rId22"/>
-    <p:sldId id="278" r:id="rId23"/>
-    <p:sldId id="277" r:id="rId24"/>
-    <p:sldId id="279" r:id="rId25"/>
-    <p:sldId id="280" r:id="rId26"/>
-    <p:sldId id="281" r:id="rId27"/>
-    <p:sldId id="282" r:id="rId28"/>
-    <p:sldId id="283" r:id="rId29"/>
-    <p:sldId id="284" r:id="rId30"/>
-    <p:sldId id="285" r:id="rId31"/>
-    <p:sldId id="286" r:id="rId32"/>
-    <p:sldId id="287" r:id="rId33"/>
-    <p:sldId id="288" r:id="rId34"/>
-    <p:sldId id="289" r:id="rId35"/>
-    <p:sldId id="291" r:id="rId36"/>
-    <p:sldId id="290" r:id="rId37"/>
-    <p:sldId id="294" r:id="rId38"/>
-    <p:sldId id="295" r:id="rId39"/>
-    <p:sldId id="296" r:id="rId40"/>
-    <p:sldId id="297" r:id="rId41"/>
-    <p:sldId id="298" r:id="rId42"/>
-    <p:sldId id="299" r:id="rId43"/>
-    <p:sldId id="300" r:id="rId44"/>
-    <p:sldId id="301" r:id="rId45"/>
-    <p:sldId id="302" r:id="rId46"/>
-    <p:sldId id="303" r:id="rId47"/>
-    <p:sldId id="304" r:id="rId48"/>
-    <p:sldId id="305" r:id="rId49"/>
-    <p:sldId id="306" r:id="rId50"/>
+    <p:sldId id="275" r:id="rId19"/>
+    <p:sldId id="276" r:id="rId20"/>
+    <p:sldId id="307" r:id="rId21"/>
+    <p:sldId id="277" r:id="rId22"/>
+    <p:sldId id="279" r:id="rId23"/>
+    <p:sldId id="280" r:id="rId24"/>
+    <p:sldId id="281" r:id="rId25"/>
+    <p:sldId id="282" r:id="rId26"/>
+    <p:sldId id="283" r:id="rId27"/>
+    <p:sldId id="284" r:id="rId28"/>
+    <p:sldId id="285" r:id="rId29"/>
+    <p:sldId id="286" r:id="rId30"/>
+    <p:sldId id="287" r:id="rId31"/>
+    <p:sldId id="288" r:id="rId32"/>
+    <p:sldId id="289" r:id="rId33"/>
+    <p:sldId id="291" r:id="rId34"/>
+    <p:sldId id="290" r:id="rId35"/>
+    <p:sldId id="294" r:id="rId36"/>
+    <p:sldId id="295" r:id="rId37"/>
+    <p:sldId id="296" r:id="rId38"/>
+    <p:sldId id="297" r:id="rId39"/>
+    <p:sldId id="298" r:id="rId40"/>
+    <p:sldId id="299" r:id="rId41"/>
+    <p:sldId id="300" r:id="rId42"/>
+    <p:sldId id="301" r:id="rId43"/>
+    <p:sldId id="302" r:id="rId44"/>
+    <p:sldId id="303" r:id="rId45"/>
+    <p:sldId id="304" r:id="rId46"/>
+    <p:sldId id="305" r:id="rId47"/>
+    <p:sldId id="306" r:id="rId48"/>
   </p:sldIdLst>
   <p:sldSz cx="9144000" cy="6858000" type="screen4x3"/>
   <p:notesSz cx="6858000" cy="9144000"/>
   <p:embeddedFontLst>
     <p:embeddedFont>
       <p:font typeface="Source Sans Pro" charset="0"/>
-      <p:regular r:id="rId52"/>
+      <p:regular r:id="rId50"/>
     </p:embeddedFont>
     <p:embeddedFont>
       <p:font typeface="Calibri" pitchFamily="34" charset="0"/>
-      <p:regular r:id="rId53"/>
-      <p:bold r:id="rId54"/>
-      <p:italic r:id="rId55"/>
-      <p:boldItalic r:id="rId56"/>
+      <p:regular r:id="rId51"/>
+      <p:bold r:id="rId52"/>
+      <p:italic r:id="rId53"/>
+      <p:boldItalic r:id="rId54"/>
     </p:embeddedFont>
   </p:embeddedFontLst>
   <p:defaultTextStyle>
@@ -18270,7 +18268,7 @@
               <a:buAutoNum type="arabicPeriod"/>
             </a:pPr>
             <a:r>
-              <a:rPr lang="en-US" smtClean="0"/>
+              <a:rPr lang="en-US" dirty="0" smtClean="0"/>
               <a:t>an </a:t>
             </a:r>
             <a:r>
@@ -18531,7 +18529,7 @@
           <a:p>
             <a:r>
               <a:rPr lang="en-US" b="1" dirty="0"/>
-              <a:t>Core container</a:t>
+              <a:t>Data Access/Integration</a:t>
             </a:r>
           </a:p>
         </p:txBody>
@@ -18551,84 +18549,125 @@
           <a:bodyPr/>
           <a:lstStyle/>
           <a:p>
-            <a:pPr marL="514350" indent="-285750">
-              <a:buFont typeface="Wingdings" panose="05000000000000000000" pitchFamily="2" charset="2"/>
-              <a:buChar char="q"/>
+            <a:pPr marL="571500" indent="-342900">
+              <a:buFont typeface="Arial" panose="020B0604020202020204" pitchFamily="34" charset="0"/>
+              <a:buChar char="•"/>
             </a:pPr>
             <a:r>
-              <a:rPr lang="en-US" sz="2400" dirty="0" smtClean="0"/>
-              <a:t>Core </a:t>
-            </a:r>
-            <a:r>
-              <a:rPr lang="en-US" sz="2400" dirty="0"/>
-              <a:t>and </a:t>
-            </a:r>
-            <a:r>
-              <a:rPr lang="en-US" sz="2400" dirty="0" smtClean="0"/>
-              <a:t>Beans</a:t>
-            </a:r>
-          </a:p>
-          <a:p>
-            <a:pPr lvl="1"/>
-            <a:r>
-              <a:rPr lang="en-US" dirty="0" smtClean="0"/>
+              <a:rPr lang="en-US" sz="2000" dirty="0" smtClean="0"/>
               <a:t> </a:t>
             </a:r>
             <a:r>
+              <a:rPr lang="en-US" sz="2000" dirty="0"/>
+              <a:t>JDBC </a:t>
+            </a:r>
+            <a:r>
               <a:rPr lang="en-US" sz="2000" b="0" dirty="0"/>
-              <a:t>provide the fundamental parts of the framework, including </a:t>
+              <a:t>- provides a JDBC-abstraction layer </a:t>
+            </a:r>
+            <a:endParaRPr lang="en-US" sz="2000" b="0" dirty="0" smtClean="0"/>
+          </a:p>
+          <a:p>
+            <a:pPr marL="571500" indent="-342900">
+              <a:buFont typeface="Arial" panose="020B0604020202020204" pitchFamily="34" charset="0"/>
+              <a:buChar char="•"/>
+            </a:pPr>
+            <a:r>
+              <a:rPr lang="en-US" sz="2000" dirty="0" smtClean="0"/>
+              <a:t> </a:t>
+            </a:r>
+            <a:r>
+              <a:rPr lang="en-US" sz="2000" dirty="0"/>
+              <a:t>ORM </a:t>
+            </a:r>
+            <a:r>
+              <a:rPr lang="en-US" sz="2000" b="0" dirty="0"/>
+              <a:t>- provides integration layers for popular object-relational mapping APIs, including JPA, JDO, Hibernate and </a:t>
             </a:r>
             <a:r>
               <a:rPr lang="en-US" sz="2000" b="0" dirty="0" err="1"/>
-              <a:t>IoC</a:t>
+              <a:t>iBatis</a:t>
             </a:r>
             <a:r>
               <a:rPr lang="en-US" sz="2000" b="0" dirty="0"/>
-              <a:t> and Dependency Injection features </a:t>
+              <a:t> </a:t>
             </a:r>
             <a:endParaRPr lang="en-US" sz="2000" b="0" dirty="0" smtClean="0"/>
           </a:p>
           <a:p>
-            <a:pPr marL="514350" indent="-285750">
-              <a:buFont typeface="Wingdings" panose="05000000000000000000" pitchFamily="2" charset="2"/>
-              <a:buChar char="q"/>
+            <a:pPr marL="571500" indent="-342900">
+              <a:buFont typeface="Arial" panose="020B0604020202020204" pitchFamily="34" charset="0"/>
+              <a:buChar char="•"/>
             </a:pPr>
             <a:r>
-              <a:rPr lang="en-US" sz="2400" dirty="0" smtClean="0"/>
-              <a:t>Context</a:t>
-            </a:r>
-          </a:p>
-          <a:p>
-            <a:pPr lvl="1"/>
-            <a:r>
-              <a:rPr lang="en-US" sz="2000" b="0" dirty="0" smtClean="0"/>
+              <a:rPr lang="en-US" sz="2000" dirty="0" smtClean="0"/>
               <a:t> </a:t>
             </a:r>
             <a:r>
+              <a:rPr lang="en-US" sz="2000" dirty="0"/>
+              <a:t>OXM </a:t>
+            </a:r>
+            <a:r>
               <a:rPr lang="en-US" sz="2000" b="0" dirty="0"/>
-              <a:t>it is a means to access objects in a framework-style manner that is similar to a JNDI registry </a:t>
+              <a:t>- provides an abstraction layer that supports Object/XML mapping implementations for JAXB, Castor, </a:t>
+            </a:r>
+            <a:r>
+              <a:rPr lang="en-US" sz="2000" b="0" dirty="0" err="1"/>
+              <a:t>XMLBeans</a:t>
+            </a:r>
+            <a:r>
+              <a:rPr lang="en-US" sz="2000" b="0" dirty="0"/>
+              <a:t>, </a:t>
+            </a:r>
+            <a:r>
+              <a:rPr lang="en-US" sz="2000" b="0" dirty="0" err="1"/>
+              <a:t>JiBX</a:t>
+            </a:r>
+            <a:r>
+              <a:rPr lang="en-US" sz="2000" b="0" dirty="0"/>
+              <a:t> and </a:t>
+            </a:r>
+            <a:r>
+              <a:rPr lang="en-US" sz="2000" b="0" dirty="0" err="1"/>
+              <a:t>XStream</a:t>
+            </a:r>
+            <a:r>
+              <a:rPr lang="en-US" sz="2000" b="0" dirty="0"/>
+              <a:t>. </a:t>
             </a:r>
             <a:endParaRPr lang="en-US" sz="2000" b="0" dirty="0" smtClean="0"/>
           </a:p>
           <a:p>
-            <a:pPr marL="514350" indent="-285750">
-              <a:buFont typeface="Wingdings" panose="05000000000000000000" pitchFamily="2" charset="2"/>
-              <a:buChar char="q"/>
+            <a:pPr marL="571500" indent="-342900">
+              <a:buFont typeface="Arial" panose="020B0604020202020204" pitchFamily="34" charset="0"/>
+              <a:buChar char="•"/>
             </a:pPr>
             <a:r>
-              <a:rPr lang="en-US" sz="2400" dirty="0" smtClean="0"/>
-              <a:t>Expression language</a:t>
-            </a:r>
-          </a:p>
-          <a:p>
-            <a:pPr lvl="1"/>
-            <a:r>
-              <a:rPr lang="en-US" sz="2000" b="0" dirty="0" smtClean="0"/>
+              <a:rPr lang="en-US" sz="2000" dirty="0" smtClean="0"/>
+              <a:t> JMS </a:t>
+            </a:r>
+            <a:r>
+              <a:rPr lang="en-US" sz="2000" b="0" dirty="0"/>
+              <a:t>– contains features for producing and consuming messages. </a:t>
+            </a:r>
+            <a:endParaRPr lang="en-US" sz="2000" b="0" dirty="0" smtClean="0"/>
+          </a:p>
+          <a:p>
+            <a:pPr marL="571500" indent="-342900">
+              <a:buFont typeface="Arial" panose="020B0604020202020204" pitchFamily="34" charset="0"/>
+              <a:buChar char="•"/>
+            </a:pPr>
+            <a:r>
+              <a:rPr lang="en-US" sz="2000" dirty="0" smtClean="0"/>
               <a:t> </a:t>
             </a:r>
             <a:r>
+              <a:rPr lang="en-US" sz="2000" dirty="0"/>
+              <a:t>Transaction </a:t>
+            </a:r>
+            <a:r>
               <a:rPr lang="en-US" sz="2000" b="0" dirty="0"/>
-              <a:t>provides a powerful expression language for querying and manipulating an object graph at runtime</a:t>
+              <a:t>- supports programmatic and declarative transaction management</a:t>
             </a:r>
           </a:p>
         </p:txBody>
@@ -18682,7 +18721,7 @@
           <a:p>
             <a:r>
               <a:rPr lang="en-US" b="1" dirty="0"/>
-              <a:t>AOP, Aspect, Instrumentation</a:t>
+              <a:t>WEB</a:t>
             </a:r>
           </a:p>
         </p:txBody>
@@ -18697,105 +18736,158 @@
             <p:ph type="body" idx="1"/>
           </p:nvPr>
         </p:nvSpPr>
-        <p:spPr/>
+        <p:spPr>
+          <a:xfrm>
+            <a:off x="822960" y="931663"/>
+            <a:ext cx="7520940" cy="3579849"/>
+          </a:xfrm>
+        </p:spPr>
         <p:txBody>
           <a:bodyPr/>
           <a:lstStyle/>
           <a:p>
             <a:pPr marL="514350" indent="-285750">
-              <a:buFont typeface="Wingdings" panose="05000000000000000000" pitchFamily="2" charset="2"/>
-              <a:buChar char="Ø"/>
+              <a:buFont typeface="Arial" panose="020B0604020202020204" pitchFamily="34" charset="0"/>
+              <a:buChar char="•"/>
             </a:pPr>
             <a:r>
+              <a:rPr lang="en-US" sz="2400" dirty="0" smtClean="0"/>
+              <a:t>Spring’s </a:t>
+            </a:r>
+            <a:r>
               <a:rPr lang="en-US" sz="2400" dirty="0"/>
-              <a:t>AOP </a:t>
+              <a:t>WEB </a:t>
             </a:r>
             <a:endParaRPr lang="en-US" sz="2400" dirty="0" smtClean="0"/>
           </a:p>
           <a:p>
-            <a:pPr lvl="1"/>
+            <a:pPr marL="685800" lvl="1" indent="0">
+              <a:buNone/>
+            </a:pPr>
             <a:r>
               <a:rPr lang="en-US" dirty="0" smtClean="0"/>
+              <a:t>	</a:t>
+            </a:r>
+            <a:r>
+              <a:rPr lang="en-US" sz="2000" dirty="0" smtClean="0"/>
               <a:t>provides </a:t>
             </a:r>
             <a:r>
-              <a:rPr lang="en-US" dirty="0"/>
-              <a:t>an AOP Alliance-compliant aspect-oriented programming implementation allowing you to define, for example, method-interceptors and </a:t>
-            </a:r>
-            <a:r>
-              <a:rPr lang="en-US" dirty="0" err="1"/>
-              <a:t>pointcuts</a:t>
-            </a:r>
-            <a:r>
-              <a:rPr lang="en-US" dirty="0"/>
-              <a:t> to cleanly decouple code that implements functionality that should be </a:t>
-            </a:r>
-            <a:r>
-              <a:rPr lang="en-US" dirty="0" smtClean="0"/>
-              <a:t>separated</a:t>
+              <a:rPr lang="en-US" sz="2000" dirty="0"/>
+              <a:t>basic web-oriented integration </a:t>
+            </a:r>
+            <a:r>
+              <a:rPr lang="en-US" sz="2000" dirty="0" smtClean="0"/>
+              <a:t>features</a:t>
             </a:r>
           </a:p>
           <a:p>
             <a:pPr marL="514350" indent="-285750">
-              <a:buFont typeface="Wingdings" panose="05000000000000000000" pitchFamily="2" charset="2"/>
-              <a:buChar char="Ø"/>
+              <a:buFont typeface="Arial" panose="020B0604020202020204" pitchFamily="34" charset="0"/>
+              <a:buChar char="•"/>
+            </a:pPr>
+            <a:r>
+              <a:rPr lang="en-US" sz="2400" dirty="0" smtClean="0"/>
+              <a:t> WEB-Servlet</a:t>
+            </a:r>
+          </a:p>
+          <a:p>
+            <a:pPr marL="228600" indent="0"/>
+            <a:r>
+              <a:rPr lang="en-US" b="0" dirty="0" smtClean="0"/>
+              <a:t>	</a:t>
+            </a:r>
+            <a:r>
+              <a:rPr lang="en-US" sz="2000" b="0" dirty="0" smtClean="0"/>
+              <a:t>Spring’s </a:t>
+            </a:r>
+            <a:r>
+              <a:rPr lang="en-US" sz="2000" b="0" dirty="0"/>
+              <a:t>model-view-controller (MVC) </a:t>
+            </a:r>
+            <a:r>
+              <a:rPr lang="en-US" sz="2000" b="0" dirty="0" err="1" smtClean="0"/>
+              <a:t>implentation</a:t>
+            </a:r>
+            <a:endParaRPr lang="en-US" sz="2000" b="0" dirty="0" smtClean="0"/>
+          </a:p>
+          <a:p>
+            <a:pPr marL="514350" indent="-285750">
+              <a:buFont typeface="Arial" panose="020B0604020202020204" pitchFamily="34" charset="0"/>
+              <a:buChar char="•"/>
             </a:pPr>
             <a:r>
               <a:rPr lang="en-US" dirty="0" smtClean="0"/>
               <a:t> </a:t>
             </a:r>
             <a:r>
-              <a:rPr lang="en-US" sz="2400" dirty="0" smtClean="0"/>
-              <a:t>Aspect</a:t>
-            </a:r>
-          </a:p>
-          <a:p>
-            <a:pPr lvl="1"/>
+              <a:rPr lang="en-US" sz="2400" dirty="0"/>
+              <a:t>WEB-Struts</a:t>
+            </a:r>
+            <a:r>
+              <a:rPr lang="en-US" dirty="0"/>
+              <a:t> </a:t>
+            </a:r>
+            <a:endParaRPr lang="en-US" dirty="0" smtClean="0"/>
+          </a:p>
+          <a:p>
+            <a:pPr marL="971550" lvl="1" indent="-285750">
+              <a:buFont typeface="Arial" panose="020B0604020202020204" pitchFamily="34" charset="0"/>
+              <a:buChar char="•"/>
+            </a:pPr>
+            <a:r>
+              <a:rPr lang="en-US" sz="2000" dirty="0" smtClean="0"/>
+              <a:t>contains </a:t>
+            </a:r>
+            <a:r>
+              <a:rPr lang="en-US" sz="2000" dirty="0"/>
+              <a:t>the classes for integrating a classic Struts WEB tier within a Spring application </a:t>
+            </a:r>
+            <a:endParaRPr lang="en-US" sz="2000" dirty="0" smtClean="0"/>
+          </a:p>
+          <a:p>
+            <a:pPr marL="514350" indent="-285750">
+              <a:buFont typeface="Arial" panose="020B0604020202020204" pitchFamily="34" charset="0"/>
+              <a:buChar char="•"/>
+            </a:pPr>
             <a:r>
               <a:rPr lang="en-US" dirty="0" smtClean="0"/>
               <a:t> </a:t>
             </a:r>
             <a:r>
-              <a:rPr lang="en-US" dirty="0"/>
-              <a:t>provides integration with </a:t>
-            </a:r>
-            <a:r>
-              <a:rPr lang="en-US" dirty="0" err="1"/>
-              <a:t>AspectJ</a:t>
-            </a:r>
-            <a:r>
-              <a:rPr lang="en-US" dirty="0"/>
+              <a:rPr lang="en-US" sz="2400" dirty="0"/>
+              <a:t>WEB-</a:t>
+            </a:r>
+            <a:r>
+              <a:rPr lang="en-US" sz="2400" dirty="0" err="1"/>
+              <a:t>Portlet</a:t>
+            </a:r>
+            <a:r>
+              <a:rPr lang="en-US" sz="2400" dirty="0"/>
               <a:t> </a:t>
             </a:r>
-            <a:endParaRPr lang="en-US" dirty="0" smtClean="0"/>
-          </a:p>
-          <a:p>
-            <a:pPr marL="514350" indent="-285750">
-              <a:buFont typeface="Wingdings" panose="05000000000000000000" pitchFamily="2" charset="2"/>
-              <a:buChar char="Ø"/>
+            <a:endParaRPr lang="en-US" sz="2400" dirty="0" smtClean="0"/>
+          </a:p>
+          <a:p>
+            <a:pPr marL="971550" lvl="1" indent="-285750">
+              <a:buFont typeface="Arial" panose="020B0604020202020204" pitchFamily="34" charset="0"/>
+              <a:buChar char="•"/>
             </a:pPr>
             <a:r>
-              <a:rPr lang="en-US" sz="2400" dirty="0" smtClean="0"/>
-              <a:t>Instrumentation </a:t>
-            </a:r>
-          </a:p>
-          <a:p>
-            <a:pPr lvl="1"/>
-            <a:r>
-              <a:rPr lang="en-US" dirty="0" smtClean="0"/>
+              <a:rPr lang="en-US" sz="2000" dirty="0" smtClean="0"/>
               <a:t>provides </a:t>
             </a:r>
             <a:r>
-              <a:rPr lang="en-US" dirty="0"/>
-              <a:t>class instrumentation support and </a:t>
-            </a:r>
-            <a:r>
-              <a:rPr lang="en-US" dirty="0" err="1"/>
-              <a:t>classloader</a:t>
-            </a:r>
-            <a:r>
-              <a:rPr lang="en-US" dirty="0"/>
-              <a:t> implementations to be used in certain application servers</a:t>
+              <a:rPr lang="en-US" sz="2000" dirty="0"/>
+              <a:t>the MVC implementation to be used in a </a:t>
+            </a:r>
+            <a:r>
+              <a:rPr lang="en-US" sz="2000" dirty="0" err="1"/>
+              <a:t>portlet</a:t>
+            </a:r>
+            <a:r>
+              <a:rPr lang="en-US" sz="2000" dirty="0"/>
+              <a:t> environment</a:t>
             </a:r>
           </a:p>
         </p:txBody>
@@ -19054,10 +19146,7 @@
           <a:bodyPr/>
           <a:lstStyle/>
           <a:p>
-            <a:r>
-              <a:rPr lang="en-US" b="1" dirty="0"/>
-              <a:t>Data Access/Integration</a:t>
-            </a:r>
+            <a:endParaRPr lang="en-US"/>
           </a:p>
         </p:txBody>
       </p:sp>
@@ -19076,141 +19165,84 @@
           <a:bodyPr/>
           <a:lstStyle/>
           <a:p>
-            <a:pPr marL="571500" indent="-342900">
-              <a:buFont typeface="Arial" panose="020B0604020202020204" pitchFamily="34" charset="0"/>
-              <a:buChar char="•"/>
-            </a:pPr>
-            <a:r>
-              <a:rPr lang="en-US" sz="2000" dirty="0" smtClean="0"/>
-              <a:t> </a:t>
-            </a:r>
-            <a:r>
-              <a:rPr lang="en-US" sz="2000" dirty="0"/>
-              <a:t>JDBC </a:t>
-            </a:r>
-            <a:r>
-              <a:rPr lang="en-US" sz="2000" b="0" dirty="0"/>
-              <a:t>- provides a JDBC-abstraction layer </a:t>
-            </a:r>
-            <a:endParaRPr lang="en-US" sz="2000" b="0" dirty="0" smtClean="0"/>
-          </a:p>
-          <a:p>
-            <a:pPr marL="571500" indent="-342900">
-              <a:buFont typeface="Arial" panose="020B0604020202020204" pitchFamily="34" charset="0"/>
-              <a:buChar char="•"/>
-            </a:pPr>
-            <a:r>
-              <a:rPr lang="en-US" sz="2000" dirty="0" smtClean="0"/>
-              <a:t> </a:t>
-            </a:r>
-            <a:r>
-              <a:rPr lang="en-US" sz="2000" dirty="0"/>
-              <a:t>ORM </a:t>
-            </a:r>
-            <a:r>
-              <a:rPr lang="en-US" sz="2000" b="0" dirty="0"/>
-              <a:t>- provides integration layers for popular object-relational mapping APIs, including JPA, JDO, Hibernate and </a:t>
-            </a:r>
-            <a:r>
-              <a:rPr lang="en-US" sz="2000" b="0" dirty="0" err="1"/>
-              <a:t>iBatis</a:t>
-            </a:r>
-            <a:r>
-              <a:rPr lang="en-US" sz="2000" b="0" dirty="0"/>
-              <a:t> </a:t>
-            </a:r>
-            <a:endParaRPr lang="en-US" sz="2000" b="0" dirty="0" smtClean="0"/>
-          </a:p>
-          <a:p>
-            <a:pPr marL="571500" indent="-342900">
-              <a:buFont typeface="Arial" panose="020B0604020202020204" pitchFamily="34" charset="0"/>
-              <a:buChar char="•"/>
-            </a:pPr>
-            <a:r>
-              <a:rPr lang="en-US" sz="2000" dirty="0" smtClean="0"/>
-              <a:t> </a:t>
-            </a:r>
-            <a:r>
-              <a:rPr lang="en-US" sz="2000" dirty="0"/>
-              <a:t>OXM </a:t>
-            </a:r>
-            <a:r>
-              <a:rPr lang="en-US" sz="2000" b="0" dirty="0"/>
-              <a:t>- provides an abstraction layer that supports Object/XML mapping implementations for JAXB, Castor, </a:t>
-            </a:r>
-            <a:r>
-              <a:rPr lang="en-US" sz="2000" b="0" dirty="0" err="1"/>
-              <a:t>XMLBeans</a:t>
-            </a:r>
-            <a:r>
-              <a:rPr lang="en-US" sz="2000" b="0" dirty="0"/>
-              <a:t>, </a:t>
-            </a:r>
-            <a:r>
-              <a:rPr lang="en-US" sz="2000" b="0" dirty="0" err="1"/>
-              <a:t>JiBX</a:t>
-            </a:r>
-            <a:r>
-              <a:rPr lang="en-US" sz="2000" b="0" dirty="0"/>
-              <a:t> and </a:t>
-            </a:r>
-            <a:r>
-              <a:rPr lang="en-US" sz="2000" b="0" dirty="0" err="1"/>
-              <a:t>XStream</a:t>
-            </a:r>
-            <a:r>
-              <a:rPr lang="en-US" sz="2000" b="0" dirty="0"/>
-              <a:t>. </a:t>
-            </a:r>
-            <a:endParaRPr lang="en-US" sz="2000" b="0" dirty="0" smtClean="0"/>
-          </a:p>
-          <a:p>
-            <a:pPr marL="571500" indent="-342900">
-              <a:buFont typeface="Arial" panose="020B0604020202020204" pitchFamily="34" charset="0"/>
-              <a:buChar char="•"/>
-            </a:pPr>
-            <a:r>
-              <a:rPr lang="en-US" sz="2000" dirty="0" smtClean="0"/>
-              <a:t> JMS </a:t>
-            </a:r>
-            <a:r>
-              <a:rPr lang="en-US" sz="2000" b="0" dirty="0"/>
-              <a:t>– contains features for producing and consuming messages. </a:t>
-            </a:r>
-            <a:endParaRPr lang="en-US" sz="2000" b="0" dirty="0" smtClean="0"/>
-          </a:p>
-          <a:p>
-            <a:pPr marL="571500" indent="-342900">
-              <a:buFont typeface="Arial" panose="020B0604020202020204" pitchFamily="34" charset="0"/>
-              <a:buChar char="•"/>
-            </a:pPr>
-            <a:r>
-              <a:rPr lang="en-US" sz="2000" dirty="0" smtClean="0"/>
-              <a:t> </a:t>
-            </a:r>
-            <a:r>
-              <a:rPr lang="en-US" sz="2000" dirty="0"/>
-              <a:t>Transaction </a:t>
-            </a:r>
-            <a:r>
-              <a:rPr lang="en-US" sz="2000" b="0" dirty="0"/>
-              <a:t>- supports programmatic and declarative transaction management</a:t>
-            </a:r>
+            <a:endParaRPr lang="en-US"/>
           </a:p>
         </p:txBody>
       </p:sp>
+      <p:pic>
+        <p:nvPicPr>
+          <p:cNvPr id="3074" name="Picture 2"/>
+          <p:cNvPicPr>
+            <a:picLocks noChangeAspect="1" noChangeArrowheads="1"/>
+          </p:cNvPicPr>
+          <p:nvPr/>
+        </p:nvPicPr>
+        <p:blipFill>
+          <a:blip r:embed="rId2">
+            <a:extLst>
+              <a:ext uri="{28A0092B-C50C-407E-A947-70E740481C1C}">
+                <a14:useLocalDpi xmlns:a14="http://schemas.microsoft.com/office/drawing/2010/main" val="0"/>
+              </a:ext>
+            </a:extLst>
+          </a:blip>
+          <a:srcRect/>
+          <a:stretch>
+            <a:fillRect/>
+          </a:stretch>
+        </p:blipFill>
+        <p:spPr bwMode="auto">
+          <a:xfrm>
+            <a:off x="0" y="0"/>
+            <a:ext cx="9144000" cy="6858000"/>
+          </a:xfrm>
+          <a:prstGeom prst="rect">
+            <a:avLst/>
+          </a:prstGeom>
+          <a:noFill/>
+          <a:ln>
+            <a:noFill/>
+          </a:ln>
+          <a:effectLst/>
+          <a:extLst>
+            <a:ext uri="{909E8E84-426E-40DD-AFC4-6F175D3DCCD1}">
+              <a14:hiddenFill xmlns:a14="http://schemas.microsoft.com/office/drawing/2010/main">
+                <a:solidFill>
+                  <a:schemeClr val="accent1"/>
+                </a:solidFill>
+              </a14:hiddenFill>
+            </a:ext>
+            <a:ext uri="{91240B29-F687-4F45-9708-019B960494DF}">
+              <a14:hiddenLine xmlns:a14="http://schemas.microsoft.com/office/drawing/2010/main" w="9525">
+                <a:solidFill>
+                  <a:schemeClr val="tx1"/>
+                </a:solidFill>
+                <a:miter lim="800000"/>
+                <a:headEnd/>
+                <a:tailEnd/>
+              </a14:hiddenLine>
+            </a:ext>
+            <a:ext uri="{AF507438-7753-43E0-B8FC-AC1667EBCBE1}">
+              <a14:hiddenEffects xmlns:a14="http://schemas.microsoft.com/office/drawing/2010/main">
+                <a:effectLst>
+                  <a:outerShdw dist="35921" dir="2700000" algn="ctr" rotWithShape="0">
+                    <a:schemeClr val="bg2"/>
+                  </a:outerShdw>
+                </a:effectLst>
+              </a14:hiddenEffects>
+            </a:ext>
+          </a:extLst>
+        </p:spPr>
+      </p:pic>
     </p:spTree>
+    <p:extLst>
+      <p:ext uri="{BB962C8B-B14F-4D97-AF65-F5344CB8AC3E}">
+        <p14:creationId xmlns:p14="http://schemas.microsoft.com/office/powerpoint/2010/main" val="2975695711"/>
+      </p:ext>
+    </p:extLst>
   </p:cSld>
   <p:clrMapOvr>
     <a:masterClrMapping/>
   </p:clrMapOvr>
-  <p:timing>
-    <p:tnLst>
-      <p:par>
-        <p:cTn id="1" dur="indefinite" restart="never" nodeType="tmRoot"/>
-      </p:par>
-    </p:tnLst>
-  </p:timing>
 </p:sld>
 </file>
 
@@ -19248,177 +19280,75 @@
           <a:p>
             <a:r>
               <a:rPr lang="en-US" b="1" dirty="0"/>
-              <a:t>WEB</a:t>
+              <a:t>The Spring triangle </a:t>
             </a:r>
           </a:p>
         </p:txBody>
       </p:sp>
-      <p:sp>
-        <p:nvSpPr>
-          <p:cNvPr id="3" name="Text Placeholder 2"/>
-          <p:cNvSpPr>
-            <a:spLocks noGrp="1"/>
-          </p:cNvSpPr>
-          <p:nvPr>
-            <p:ph type="body" idx="1"/>
-          </p:nvPr>
-        </p:nvSpPr>
-        <p:spPr>
+      <p:pic>
+        <p:nvPicPr>
+          <p:cNvPr id="3074" name="Picture 2"/>
+          <p:cNvPicPr>
+            <a:picLocks noChangeAspect="1" noChangeArrowheads="1"/>
+          </p:cNvPicPr>
+          <p:nvPr/>
+        </p:nvPicPr>
+        <p:blipFill>
+          <a:blip r:embed="rId2">
+            <a:extLst>
+              <a:ext uri="{28A0092B-C50C-407E-A947-70E740481C1C}">
+                <a14:useLocalDpi xmlns:a14="http://schemas.microsoft.com/office/drawing/2010/main" val="0"/>
+              </a:ext>
+            </a:extLst>
+          </a:blip>
+          <a:srcRect/>
+          <a:stretch>
+            <a:fillRect/>
+          </a:stretch>
+        </p:blipFill>
+        <p:spPr bwMode="auto">
           <a:xfrm>
-            <a:off x="822960" y="931663"/>
-            <a:ext cx="7520940" cy="3579849"/>
+            <a:off x="2650643" y="844826"/>
+            <a:ext cx="4167131" cy="3397596"/>
           </a:xfrm>
+          <a:prstGeom prst="rect">
+            <a:avLst/>
+          </a:prstGeom>
+          <a:noFill/>
+          <a:ln>
+            <a:noFill/>
+          </a:ln>
+          <a:effectLst/>
+          <a:extLst>
+            <a:ext uri="{909E8E84-426E-40DD-AFC4-6F175D3DCCD1}">
+              <a14:hiddenFill xmlns:a14="http://schemas.microsoft.com/office/drawing/2010/main">
+                <a:solidFill>
+                  <a:schemeClr val="accent1"/>
+                </a:solidFill>
+              </a14:hiddenFill>
+            </a:ext>
+            <a:ext uri="{91240B29-F687-4F45-9708-019B960494DF}">
+              <a14:hiddenLine xmlns:a14="http://schemas.microsoft.com/office/drawing/2010/main" w="9525">
+                <a:solidFill>
+                  <a:schemeClr val="tx1"/>
+                </a:solidFill>
+                <a:miter lim="800000"/>
+                <a:headEnd/>
+                <a:tailEnd/>
+              </a14:hiddenLine>
+            </a:ext>
+            <a:ext uri="{AF507438-7753-43E0-B8FC-AC1667EBCBE1}">
+              <a14:hiddenEffects xmlns:a14="http://schemas.microsoft.com/office/drawing/2010/main">
+                <a:effectLst>
+                  <a:outerShdw dist="35921" dir="2700000" algn="ctr" rotWithShape="0">
+                    <a:schemeClr val="bg2"/>
+                  </a:outerShdw>
+                </a:effectLst>
+              </a14:hiddenEffects>
+            </a:ext>
+          </a:extLst>
         </p:spPr>
-        <p:txBody>
-          <a:bodyPr/>
-          <a:lstStyle/>
-          <a:p>
-            <a:pPr marL="514350" indent="-285750">
-              <a:buFont typeface="Arial" panose="020B0604020202020204" pitchFamily="34" charset="0"/>
-              <a:buChar char="•"/>
-            </a:pPr>
-            <a:r>
-              <a:rPr lang="en-US" sz="2400" dirty="0" smtClean="0"/>
-              <a:t>Spring’s </a:t>
-            </a:r>
-            <a:r>
-              <a:rPr lang="en-US" sz="2400" dirty="0"/>
-              <a:t>WEB </a:t>
-            </a:r>
-            <a:endParaRPr lang="en-US" sz="2400" dirty="0" smtClean="0"/>
-          </a:p>
-          <a:p>
-            <a:pPr marL="685800" lvl="1" indent="0">
-              <a:buNone/>
-            </a:pPr>
-            <a:r>
-              <a:rPr lang="en-US" dirty="0" smtClean="0"/>
-              <a:t>	</a:t>
-            </a:r>
-            <a:r>
-              <a:rPr lang="en-US" sz="2000" dirty="0" smtClean="0"/>
-              <a:t>provides </a:t>
-            </a:r>
-            <a:r>
-              <a:rPr lang="en-US" sz="2000" dirty="0"/>
-              <a:t>basic web-oriented integration </a:t>
-            </a:r>
-            <a:r>
-              <a:rPr lang="en-US" sz="2000" dirty="0" smtClean="0"/>
-              <a:t>features</a:t>
-            </a:r>
-          </a:p>
-          <a:p>
-            <a:pPr marL="514350" indent="-285750">
-              <a:buFont typeface="Arial" panose="020B0604020202020204" pitchFamily="34" charset="0"/>
-              <a:buChar char="•"/>
-            </a:pPr>
-            <a:r>
-              <a:rPr lang="en-US" sz="2400" dirty="0" smtClean="0"/>
-              <a:t> WEB-Servlet</a:t>
-            </a:r>
-          </a:p>
-          <a:p>
-            <a:pPr marL="228600" indent="0"/>
-            <a:r>
-              <a:rPr lang="en-US" b="0" dirty="0" smtClean="0"/>
-              <a:t>	</a:t>
-            </a:r>
-            <a:r>
-              <a:rPr lang="en-US" sz="2000" b="0" dirty="0" smtClean="0"/>
-              <a:t>Spring’s </a:t>
-            </a:r>
-            <a:r>
-              <a:rPr lang="en-US" sz="2000" b="0" dirty="0"/>
-              <a:t>model-view-controller (MVC) </a:t>
-            </a:r>
-            <a:r>
-              <a:rPr lang="en-US" sz="2000" b="0" dirty="0" err="1" smtClean="0"/>
-              <a:t>implentation</a:t>
-            </a:r>
-            <a:endParaRPr lang="en-US" sz="2000" b="0" dirty="0" smtClean="0"/>
-          </a:p>
-          <a:p>
-            <a:pPr marL="514350" indent="-285750">
-              <a:buFont typeface="Arial" panose="020B0604020202020204" pitchFamily="34" charset="0"/>
-              <a:buChar char="•"/>
-            </a:pPr>
-            <a:r>
-              <a:rPr lang="en-US" dirty="0" smtClean="0"/>
-              <a:t> </a:t>
-            </a:r>
-            <a:r>
-              <a:rPr lang="en-US" sz="2400" dirty="0"/>
-              <a:t>WEB-Struts</a:t>
-            </a:r>
-            <a:r>
-              <a:rPr lang="en-US" dirty="0"/>
-              <a:t> </a:t>
-            </a:r>
-            <a:endParaRPr lang="en-US" dirty="0" smtClean="0"/>
-          </a:p>
-          <a:p>
-            <a:pPr marL="971550" lvl="1" indent="-285750">
-              <a:buFont typeface="Arial" panose="020B0604020202020204" pitchFamily="34" charset="0"/>
-              <a:buChar char="•"/>
-            </a:pPr>
-            <a:r>
-              <a:rPr lang="en-US" sz="2000" dirty="0" smtClean="0"/>
-              <a:t>contains </a:t>
-            </a:r>
-            <a:r>
-              <a:rPr lang="en-US" sz="2000" dirty="0"/>
-              <a:t>the classes for integrating a classic Struts WEB tier within a Spring application </a:t>
-            </a:r>
-            <a:endParaRPr lang="en-US" sz="2000" dirty="0" smtClean="0"/>
-          </a:p>
-          <a:p>
-            <a:pPr marL="514350" indent="-285750">
-              <a:buFont typeface="Arial" panose="020B0604020202020204" pitchFamily="34" charset="0"/>
-              <a:buChar char="•"/>
-            </a:pPr>
-            <a:r>
-              <a:rPr lang="en-US" dirty="0" smtClean="0"/>
-              <a:t> </a:t>
-            </a:r>
-            <a:r>
-              <a:rPr lang="en-US" sz="2400" dirty="0"/>
-              <a:t>WEB-</a:t>
-            </a:r>
-            <a:r>
-              <a:rPr lang="en-US" sz="2400" dirty="0" err="1"/>
-              <a:t>Portlet</a:t>
-            </a:r>
-            <a:r>
-              <a:rPr lang="en-US" sz="2400" dirty="0"/>
-              <a:t> </a:t>
-            </a:r>
-            <a:endParaRPr lang="en-US" sz="2400" dirty="0" smtClean="0"/>
-          </a:p>
-          <a:p>
-            <a:pPr marL="971550" lvl="1" indent="-285750">
-              <a:buFont typeface="Arial" panose="020B0604020202020204" pitchFamily="34" charset="0"/>
-              <a:buChar char="•"/>
-            </a:pPr>
-            <a:r>
-              <a:rPr lang="en-US" sz="2000" dirty="0" smtClean="0"/>
-              <a:t>provides </a:t>
-            </a:r>
-            <a:r>
-              <a:rPr lang="en-US" sz="2000" dirty="0"/>
-              <a:t>the MVC implementation to be used in a </a:t>
-            </a:r>
-            <a:r>
-              <a:rPr lang="en-US" sz="2000" dirty="0" err="1"/>
-              <a:t>portlet</a:t>
-            </a:r>
-            <a:r>
-              <a:rPr lang="en-US" sz="2000" dirty="0"/>
-              <a:t> environment</a:t>
-            </a:r>
-          </a:p>
-        </p:txBody>
-      </p:sp>
+      </p:pic>
     </p:spTree>
   </p:cSld>
   <p:clrMapOvr>
@@ -19467,10 +19397,25 @@
           <a:lstStyle/>
           <a:p>
             <a:r>
-              <a:rPr lang="en-US" b="1" dirty="0" smtClean="0"/>
-              <a:t>Core Container</a:t>
-            </a:r>
-            <a:endParaRPr lang="en-US" b="1" dirty="0"/>
+              <a:rPr lang="en-US" b="1" dirty="0"/>
+              <a:t>Spring </a:t>
+            </a:r>
+            <a:r>
+              <a:rPr lang="en-US" b="1" dirty="0" err="1"/>
+              <a:t>IoC</a:t>
+            </a:r>
+            <a:r>
+              <a:rPr lang="en-US" b="1" dirty="0"/>
+              <a:t> container</a:t>
+            </a:r>
+            <a:r>
+              <a:rPr lang="en-US" dirty="0"/>
+              <a:t/>
+            </a:r>
+            <a:br>
+              <a:rPr lang="en-US" dirty="0"/>
+            </a:br>
+            <a:endParaRPr lang="en-US" dirty="0"/>
           </a:p>
         </p:txBody>
       </p:sp>
@@ -19489,101 +19434,81 @@
           <a:bodyPr/>
           <a:lstStyle/>
           <a:p>
-            <a:pPr marL="571500" indent="-342900">
-              <a:buFont typeface="Arial" panose="020B0604020202020204" pitchFamily="34" charset="0"/>
-              <a:buChar char="•"/>
+            <a:pPr marL="742950" indent="-514350">
+              <a:buFont typeface="+mj-lt"/>
+              <a:buAutoNum type="romanUcPeriod"/>
             </a:pPr>
             <a:r>
+              <a:rPr lang="en-US" sz="2400" dirty="0" err="1"/>
+              <a:t>IoC</a:t>
+            </a:r>
+            <a:r>
+              <a:rPr lang="en-US" sz="2400" dirty="0"/>
+              <a:t> pattern </a:t>
+            </a:r>
+            <a:endParaRPr lang="en-US" sz="2400" dirty="0" smtClean="0"/>
+          </a:p>
+          <a:p>
+            <a:pPr marL="742950" indent="-514350">
+              <a:buFont typeface="+mj-lt"/>
+              <a:buAutoNum type="romanUcPeriod"/>
+            </a:pPr>
+            <a:r>
               <a:rPr lang="en-US" sz="2400" dirty="0" smtClean="0"/>
-              <a:t>Core </a:t>
-            </a:r>
-          </a:p>
-          <a:p>
-            <a:pPr marL="571500" indent="-342900">
-              <a:buFont typeface="Arial" panose="020B0604020202020204" pitchFamily="34" charset="0"/>
-              <a:buChar char="•"/>
+              <a:t>Application </a:t>
+            </a:r>
+            <a:r>
+              <a:rPr lang="en-US" sz="2400" dirty="0"/>
+              <a:t>lifecycle</a:t>
+            </a:r>
+          </a:p>
+          <a:p>
+            <a:pPr marL="742950" indent="-514350">
+              <a:buFont typeface="+mj-lt"/>
+              <a:buAutoNum type="romanUcPeriod"/>
             </a:pPr>
             <a:r>
+              <a:rPr lang="en-US" sz="2400" dirty="0"/>
+              <a:t>Essence of Spring </a:t>
+            </a:r>
+            <a:r>
+              <a:rPr lang="en-US" sz="2400" dirty="0" err="1"/>
+              <a:t>IoC</a:t>
+            </a:r>
+            <a:r>
+              <a:rPr lang="en-US" sz="2400" dirty="0"/>
+              <a:t> container </a:t>
+            </a:r>
+            <a:endParaRPr lang="en-US" sz="2400" dirty="0" smtClean="0"/>
+          </a:p>
+          <a:p>
+            <a:pPr marL="742950" indent="-514350">
+              <a:buFont typeface="+mj-lt"/>
+              <a:buAutoNum type="romanUcPeriod"/>
+            </a:pPr>
+            <a:r>
               <a:rPr lang="en-US" sz="2400" dirty="0" smtClean="0"/>
-              <a:t>Bean</a:t>
-            </a:r>
-          </a:p>
-          <a:p>
-            <a:pPr marL="571500" indent="-342900">
-              <a:buFont typeface="Arial" panose="020B0604020202020204" pitchFamily="34" charset="0"/>
-              <a:buChar char="•"/>
+              <a:t>Instantiation </a:t>
+            </a:r>
+            <a:r>
+              <a:rPr lang="en-US" sz="2400" dirty="0"/>
+              <a:t>an </a:t>
+            </a:r>
+            <a:r>
+              <a:rPr lang="en-US" sz="2400" dirty="0" err="1"/>
+              <a:t>ApplicationContext</a:t>
+            </a:r>
+            <a:endParaRPr lang="en-US" sz="2400" dirty="0"/>
+          </a:p>
+          <a:p>
+            <a:pPr marL="742950" indent="-514350">
+              <a:buFont typeface="+mj-lt"/>
+              <a:buAutoNum type="romanUcPeriod"/>
             </a:pPr>
-            <a:r>
-              <a:rPr lang="en-US" sz="2400" dirty="0" smtClean="0"/>
-              <a:t>Context</a:t>
-            </a:r>
+            <a:endParaRPr lang="en-US" sz="2400" dirty="0"/>
           </a:p>
         </p:txBody>
       </p:sp>
-      <p:pic>
-        <p:nvPicPr>
-          <p:cNvPr id="4098" name="Picture 2"/>
-          <p:cNvPicPr>
-            <a:picLocks noChangeAspect="1" noChangeArrowheads="1"/>
-          </p:cNvPicPr>
-          <p:nvPr/>
-        </p:nvPicPr>
-        <p:blipFill>
-          <a:blip r:embed="rId2">
-            <a:extLst>
-              <a:ext uri="{28A0092B-C50C-407E-A947-70E740481C1C}">
-                <a14:useLocalDpi xmlns:a14="http://schemas.microsoft.com/office/drawing/2010/main" val="0"/>
-              </a:ext>
-            </a:extLst>
-          </a:blip>
-          <a:srcRect/>
-          <a:stretch>
-            <a:fillRect/>
-          </a:stretch>
-        </p:blipFill>
-        <p:spPr bwMode="auto">
-          <a:xfrm>
-            <a:off x="3397371" y="1143001"/>
-            <a:ext cx="5133440" cy="3017630"/>
-          </a:xfrm>
-          <a:prstGeom prst="rect">
-            <a:avLst/>
-          </a:prstGeom>
-          <a:noFill/>
-          <a:ln>
-            <a:noFill/>
-          </a:ln>
-          <a:effectLst/>
-          <a:extLst>
-            <a:ext uri="{909E8E84-426E-40DD-AFC4-6F175D3DCCD1}">
-              <a14:hiddenFill xmlns:a14="http://schemas.microsoft.com/office/drawing/2010/main">
-                <a:solidFill>
-                  <a:schemeClr val="accent1"/>
-                </a:solidFill>
-              </a14:hiddenFill>
-            </a:ext>
-            <a:ext uri="{91240B29-F687-4F45-9708-019B960494DF}">
-              <a14:hiddenLine xmlns:a14="http://schemas.microsoft.com/office/drawing/2010/main" w="9525">
-                <a:solidFill>
-                  <a:schemeClr val="tx1"/>
-                </a:solidFill>
-                <a:miter lim="800000"/>
-                <a:headEnd/>
-                <a:tailEnd/>
-              </a14:hiddenLine>
-            </a:ext>
-            <a:ext uri="{AF507438-7753-43E0-B8FC-AC1667EBCBE1}">
-              <a14:hiddenEffects xmlns:a14="http://schemas.microsoft.com/office/drawing/2010/main">
-                <a:effectLst>
-                  <a:outerShdw dist="35921" dir="2700000" algn="ctr" rotWithShape="0">
-                    <a:schemeClr val="bg2"/>
-                  </a:outerShdw>
-                </a:effectLst>
-              </a14:hiddenEffects>
-            </a:ext>
-          </a:extLst>
-        </p:spPr>
-      </p:pic>
     </p:spTree>
   </p:cSld>
   <p:clrMapOvr>
@@ -19633,75 +19558,59 @@
           <a:p>
             <a:r>
               <a:rPr lang="en-US" b="1" dirty="0"/>
-              <a:t>The Spring triangle </a:t>
-            </a:r>
+              <a:t>What is </a:t>
+            </a:r>
+            <a:r>
+              <a:rPr lang="en-US" b="1" dirty="0" err="1"/>
+              <a:t>IoC</a:t>
+            </a:r>
+            <a:r>
+              <a:rPr lang="en-US" b="1" dirty="0" smtClean="0"/>
+              <a:t>?</a:t>
+            </a:r>
+            <a:endParaRPr lang="en-US" b="1" dirty="0"/>
           </a:p>
         </p:txBody>
       </p:sp>
-      <p:pic>
-        <p:nvPicPr>
-          <p:cNvPr id="3074" name="Picture 2"/>
-          <p:cNvPicPr>
-            <a:picLocks noChangeAspect="1" noChangeArrowheads="1"/>
-          </p:cNvPicPr>
-          <p:nvPr/>
-        </p:nvPicPr>
-        <p:blipFill>
-          <a:blip r:embed="rId2">
-            <a:extLst>
-              <a:ext uri="{28A0092B-C50C-407E-A947-70E740481C1C}">
-                <a14:useLocalDpi xmlns:a14="http://schemas.microsoft.com/office/drawing/2010/main" val="0"/>
-              </a:ext>
-            </a:extLst>
-          </a:blip>
-          <a:srcRect/>
-          <a:stretch>
-            <a:fillRect/>
-          </a:stretch>
-        </p:blipFill>
-        <p:spPr bwMode="auto">
-          <a:xfrm>
-            <a:off x="2650643" y="844826"/>
-            <a:ext cx="4167131" cy="3397596"/>
-          </a:xfrm>
-          <a:prstGeom prst="rect">
-            <a:avLst/>
-          </a:prstGeom>
-          <a:noFill/>
-          <a:ln>
-            <a:noFill/>
-          </a:ln>
-          <a:effectLst/>
-          <a:extLst>
-            <a:ext uri="{909E8E84-426E-40DD-AFC4-6F175D3DCCD1}">
-              <a14:hiddenFill xmlns:a14="http://schemas.microsoft.com/office/drawing/2010/main">
-                <a:solidFill>
-                  <a:schemeClr val="accent1"/>
-                </a:solidFill>
-              </a14:hiddenFill>
-            </a:ext>
-            <a:ext uri="{91240B29-F687-4F45-9708-019B960494DF}">
-              <a14:hiddenLine xmlns:a14="http://schemas.microsoft.com/office/drawing/2010/main" w="9525">
-                <a:solidFill>
-                  <a:schemeClr val="tx1"/>
-                </a:solidFill>
-                <a:miter lim="800000"/>
-                <a:headEnd/>
-                <a:tailEnd/>
-              </a14:hiddenLine>
-            </a:ext>
-            <a:ext uri="{AF507438-7753-43E0-B8FC-AC1667EBCBE1}">
-              <a14:hiddenEffects xmlns:a14="http://schemas.microsoft.com/office/drawing/2010/main">
-                <a:effectLst>
-                  <a:outerShdw dist="35921" dir="2700000" algn="ctr" rotWithShape="0">
-                    <a:schemeClr val="bg2"/>
-                  </a:outerShdw>
-                </a:effectLst>
-              </a14:hiddenEffects>
-            </a:ext>
-          </a:extLst>
-        </p:spPr>
-      </p:pic>
+      <p:sp>
+        <p:nvSpPr>
+          <p:cNvPr id="3" name="Text Placeholder 2"/>
+          <p:cNvSpPr>
+            <a:spLocks noGrp="1"/>
+          </p:cNvSpPr>
+          <p:nvPr>
+            <p:ph type="body" idx="1"/>
+          </p:nvPr>
+        </p:nvSpPr>
+        <p:spPr/>
+        <p:txBody>
+          <a:bodyPr/>
+          <a:lstStyle/>
+          <a:p>
+            <a:pPr marL="571500" lvl="0" indent="-342900">
+              <a:buFont typeface="Arial" panose="020B0604020202020204" pitchFamily="34" charset="0"/>
+              <a:buChar char="•"/>
+            </a:pPr>
+            <a:r>
+              <a:rPr lang="en-US" sz="2400" dirty="0"/>
+              <a:t>is a concept in application development</a:t>
+            </a:r>
+          </a:p>
+          <a:p>
+            <a:pPr marL="571500" lvl="0" indent="-342900">
+              <a:buFont typeface="Arial" panose="020B0604020202020204" pitchFamily="34" charset="0"/>
+              <a:buChar char="•"/>
+            </a:pPr>
+            <a:r>
+              <a:rPr lang="en-US" sz="2400" dirty="0"/>
+              <a:t>one form is Dependency Injection (DI)</a:t>
+            </a:r>
+          </a:p>
+          <a:p>
+            <a:endParaRPr lang="en-US" dirty="0"/>
+          </a:p>
+        </p:txBody>
+      </p:sp>
     </p:spTree>
   </p:cSld>
   <p:clrMapOvr>
@@ -19751,24 +19660,13 @@
           <a:p>
             <a:r>
               <a:rPr lang="en-US" b="1" dirty="0"/>
-              <a:t>Spring </a:t>
-            </a:r>
-            <a:r>
-              <a:rPr lang="en-US" b="1" dirty="0" err="1"/>
-              <a:t>IoC</a:t>
-            </a:r>
-            <a:r>
-              <a:rPr lang="en-US" b="1" dirty="0"/>
-              <a:t> container</a:t>
-            </a:r>
-            <a:r>
-              <a:rPr lang="en-US" dirty="0"/>
-              <a:t/>
-            </a:r>
-            <a:br>
-              <a:rPr lang="en-US" dirty="0"/>
-            </a:br>
-            <a:endParaRPr lang="en-US" dirty="0"/>
+              <a:t>Dependency </a:t>
+            </a:r>
+            <a:r>
+              <a:rPr lang="en-US" b="1" dirty="0" smtClean="0"/>
+              <a:t>Injection</a:t>
+            </a:r>
+            <a:endParaRPr lang="en-US" b="1" dirty="0"/>
           </a:p>
         </p:txBody>
       </p:sp>
@@ -19787,78 +19685,51 @@
           <a:bodyPr/>
           <a:lstStyle/>
           <a:p>
-            <a:pPr marL="742950" indent="-514350">
-              <a:buFont typeface="+mj-lt"/>
-              <a:buAutoNum type="romanUcPeriod"/>
-            </a:pPr>
-            <a:r>
-              <a:rPr lang="en-US" sz="2400" dirty="0" err="1"/>
-              <a:t>IoC</a:t>
-            </a:r>
+            <a:pPr lvl="0"/>
             <a:r>
               <a:rPr lang="en-US" sz="2400" dirty="0"/>
-              <a:t> pattern </a:t>
-            </a:r>
-            <a:endParaRPr lang="en-US" sz="2400" dirty="0" smtClean="0"/>
-          </a:p>
-          <a:p>
-            <a:pPr marL="742950" indent="-514350">
-              <a:buFont typeface="+mj-lt"/>
-              <a:buAutoNum type="romanUcPeriod"/>
-            </a:pPr>
-            <a:r>
-              <a:rPr lang="en-US" sz="2400" dirty="0" smtClean="0"/>
-              <a:t>Application </a:t>
-            </a:r>
+              <a:t>is a process </a:t>
+            </a:r>
+            <a:r>
+              <a:rPr lang="en-US" b="0" dirty="0" smtClean="0"/>
+              <a:t>whereby </a:t>
+            </a:r>
+            <a:r>
+              <a:rPr lang="en-US" b="0" dirty="0"/>
+              <a:t>objects define their dependencies, that is, the other objects they work with, only through constructor arguments, arguments to a factory method, or properties that are set on the object instance after it is constructed or returned from a factory method</a:t>
+            </a:r>
+          </a:p>
+          <a:p>
+            <a:pPr lvl="0"/>
             <a:r>
               <a:rPr lang="en-US" sz="2400" dirty="0"/>
-              <a:t>lifecycle</a:t>
-            </a:r>
-          </a:p>
-          <a:p>
-            <a:pPr marL="742950" indent="-514350">
-              <a:buFont typeface="+mj-lt"/>
-              <a:buAutoNum type="romanUcPeriod"/>
-            </a:pPr>
-            <a:r>
-              <a:rPr lang="en-US" sz="2400" dirty="0"/>
-              <a:t>Essence of Spring </a:t>
-            </a:r>
-            <a:r>
-              <a:rPr lang="en-US" sz="2400" dirty="0" err="1"/>
-              <a:t>IoC</a:t>
-            </a:r>
-            <a:r>
-              <a:rPr lang="en-US" sz="2400" dirty="0"/>
-              <a:t> container </a:t>
-            </a:r>
-            <a:endParaRPr lang="en-US" sz="2400" dirty="0" smtClean="0"/>
-          </a:p>
-          <a:p>
-            <a:pPr marL="742950" indent="-514350">
-              <a:buFont typeface="+mj-lt"/>
-              <a:buAutoNum type="romanUcPeriod"/>
-            </a:pPr>
-            <a:r>
-              <a:rPr lang="en-US" sz="2400" dirty="0" smtClean="0"/>
-              <a:t>Instantiation </a:t>
-            </a:r>
-            <a:r>
-              <a:rPr lang="en-US" sz="2400" dirty="0"/>
-              <a:t>an </a:t>
-            </a:r>
-            <a:r>
-              <a:rPr lang="en-US" sz="2400" dirty="0" err="1"/>
-              <a:t>ApplicationContext</a:t>
-            </a:r>
-            <a:endParaRPr lang="en-US" sz="2400" dirty="0"/>
-          </a:p>
-          <a:p>
-            <a:pPr marL="742950" indent="-514350">
-              <a:buFont typeface="+mj-lt"/>
-              <a:buAutoNum type="romanUcPeriod"/>
-            </a:pPr>
-            <a:endParaRPr lang="en-US" sz="2400" dirty="0"/>
+              <a:t>exist in two major variants</a:t>
+            </a:r>
+          </a:p>
+          <a:p>
+            <a:pPr lvl="1"/>
+            <a:r>
+              <a:rPr lang="en-US" b="1" dirty="0"/>
+              <a:t>constructor</a:t>
+            </a:r>
+            <a:r>
+              <a:rPr lang="en-US" dirty="0"/>
+              <a:t> injection</a:t>
+            </a:r>
+          </a:p>
+          <a:p>
+            <a:pPr lvl="1"/>
+            <a:r>
+              <a:rPr lang="en-US" b="1" dirty="0"/>
+              <a:t>setter</a:t>
+            </a:r>
+            <a:r>
+              <a:rPr lang="en-US" dirty="0"/>
+              <a:t> injection</a:t>
+            </a:r>
+          </a:p>
+          <a:p>
+            <a:endParaRPr lang="en-US" dirty="0"/>
           </a:p>
         </p:txBody>
       </p:sp>
@@ -19911,17 +19782,8 @@
           <a:p>
             <a:r>
               <a:rPr lang="en-US" b="1" dirty="0"/>
-              <a:t>What is </a:t>
-            </a:r>
-            <a:r>
-              <a:rPr lang="en-US" b="1" dirty="0" err="1"/>
-              <a:t>IoC</a:t>
-            </a:r>
-            <a:r>
-              <a:rPr lang="en-US" b="1" dirty="0" smtClean="0"/>
-              <a:t>?</a:t>
-            </a:r>
-            <a:endParaRPr lang="en-US" b="1" dirty="0"/>
+              <a:t>Bean Scope</a:t>
+            </a:r>
           </a:p>
         </p:txBody>
       </p:sp>
@@ -19940,23 +19802,29 @@
           <a:bodyPr/>
           <a:lstStyle/>
           <a:p>
-            <a:pPr marL="571500" lvl="0" indent="-342900">
-              <a:buFont typeface="Arial" panose="020B0604020202020204" pitchFamily="34" charset="0"/>
-              <a:buChar char="•"/>
-            </a:pPr>
-            <a:r>
-              <a:rPr lang="en-US" sz="2400" dirty="0"/>
-              <a:t>is a concept in application development</a:t>
-            </a:r>
-          </a:p>
-          <a:p>
-            <a:pPr marL="571500" lvl="0" indent="-342900">
-              <a:buFont typeface="Arial" panose="020B0604020202020204" pitchFamily="34" charset="0"/>
-              <a:buChar char="•"/>
-            </a:pPr>
-            <a:r>
-              <a:rPr lang="en-US" sz="2400" dirty="0"/>
-              <a:t>one form is Dependency Injection (DI)</a:t>
+            <a:r>
+              <a:rPr lang="en-US" dirty="0"/>
+              <a:t>Simple </a:t>
+            </a:r>
+            <a:endParaRPr lang="en-US" dirty="0" smtClean="0"/>
+          </a:p>
+          <a:p>
+            <a:r>
+              <a:rPr lang="en-US" dirty="0" smtClean="0"/>
+              <a:t>Runtime </a:t>
+            </a:r>
+          </a:p>
+          <a:p>
+            <a:r>
+              <a:rPr lang="en-US" dirty="0" smtClean="0"/>
+              <a:t>WEB</a:t>
+            </a:r>
+            <a:endParaRPr lang="en-US" dirty="0"/>
+          </a:p>
+          <a:p>
+            <a:r>
+              <a:rPr lang="en-US" dirty="0"/>
+              <a:t>CGLIB / JDK proxies</a:t>
             </a:r>
           </a:p>
           <a:p>
@@ -19969,13 +19837,6 @@
   <p:clrMapOvr>
     <a:masterClrMapping/>
   </p:clrMapOvr>
-  <p:timing>
-    <p:tnLst>
-      <p:par>
-        <p:cTn id="1" dur="indefinite" restart="never" nodeType="tmRoot"/>
-      </p:par>
-    </p:tnLst>
-  </p:timing>
 </p:sld>
 </file>
 
@@ -20013,11 +19874,11 @@
           <a:p>
             <a:r>
               <a:rPr lang="en-US" b="1" dirty="0"/>
-              <a:t>Dependency </a:t>
+              <a:t>Spring Bean </a:t>
             </a:r>
             <a:r>
               <a:rPr lang="en-US" b="1" dirty="0" smtClean="0"/>
-              <a:t>Injection</a:t>
+              <a:t>Scopes</a:t>
             </a:r>
             <a:endParaRPr lang="en-US" b="1" dirty="0"/>
           </a:p>
@@ -20040,46 +19901,93 @@
           <a:p>
             <a:pPr lvl="0"/>
             <a:r>
-              <a:rPr lang="en-US" sz="2400" dirty="0"/>
-              <a:t>is a process </a:t>
-            </a:r>
-            <a:r>
-              <a:rPr lang="en-US" b="0" dirty="0" smtClean="0"/>
-              <a:t>whereby </a:t>
-            </a:r>
-            <a:r>
-              <a:rPr lang="en-US" b="0" dirty="0"/>
-              <a:t>objects define their dependencies, that is, the other objects they work with, only through constructor arguments, arguments to a factory method, or properties that are set on the object instance after it is constructed or returned from a factory method</a:t>
-            </a:r>
+              <a:rPr lang="en-US" dirty="0"/>
+              <a:t>simple</a:t>
+            </a:r>
+          </a:p>
+          <a:p>
+            <a:pPr lvl="1"/>
+            <a:r>
+              <a:rPr lang="en-US" dirty="0"/>
+              <a:t>singleton</a:t>
+            </a:r>
+            <a:endParaRPr lang="en-US" sz="900" dirty="0"/>
+          </a:p>
+          <a:p>
+            <a:pPr lvl="1"/>
+            <a:r>
+              <a:rPr lang="en-US" dirty="0"/>
+              <a:t>prototype</a:t>
+            </a:r>
+            <a:endParaRPr lang="en-US" sz="900" dirty="0"/>
           </a:p>
           <a:p>
             <a:pPr lvl="0"/>
             <a:r>
-              <a:rPr lang="en-US" sz="2400" dirty="0"/>
-              <a:t>exist in two major variants</a:t>
-            </a:r>
+              <a:rPr lang="en-US" dirty="0"/>
+              <a:t>runtime</a:t>
+            </a:r>
+            <a:endParaRPr lang="en-US" sz="800" dirty="0"/>
           </a:p>
           <a:p>
             <a:pPr lvl="1"/>
             <a:r>
-              <a:rPr lang="en-US" b="1" dirty="0"/>
-              <a:t>constructor</a:t>
-            </a:r>
-            <a:r>
               <a:rPr lang="en-US" dirty="0"/>
-              <a:t> injection</a:t>
-            </a:r>
+              <a:t>thread</a:t>
+            </a:r>
+            <a:endParaRPr lang="en-US" sz="900" dirty="0"/>
           </a:p>
           <a:p>
             <a:pPr lvl="1"/>
             <a:r>
-              <a:rPr lang="en-US" b="1" dirty="0"/>
-              <a:t>setter</a:t>
-            </a:r>
-            <a:r>
               <a:rPr lang="en-US" dirty="0"/>
-              <a:t> injection</a:t>
-            </a:r>
+              <a:t>custom implementation</a:t>
+            </a:r>
+            <a:endParaRPr lang="en-US" sz="900" dirty="0"/>
+          </a:p>
+          <a:p>
+            <a:pPr lvl="0"/>
+            <a:r>
+              <a:rPr lang="en-US" sz="2000" dirty="0"/>
+              <a:t>web-aware scopes </a:t>
+            </a:r>
+            <a:r>
+              <a:rPr lang="en-US" dirty="0"/>
+              <a:t>(available only for web-aware </a:t>
+            </a:r>
+            <a:r>
+              <a:rPr lang="en-US" dirty="0" err="1"/>
+              <a:t>ApplicationContext</a:t>
+            </a:r>
+            <a:r>
+              <a:rPr lang="en-US" dirty="0"/>
+              <a:t>)</a:t>
+            </a:r>
+            <a:endParaRPr lang="en-US" sz="1200" dirty="0"/>
+          </a:p>
+          <a:p>
+            <a:pPr lvl="1"/>
+            <a:r>
+              <a:rPr lang="en-US" dirty="0"/>
+              <a:t>request</a:t>
+            </a:r>
+            <a:endParaRPr lang="en-US" sz="900" dirty="0"/>
+          </a:p>
+          <a:p>
+            <a:pPr lvl="1"/>
+            <a:r>
+              <a:rPr lang="en-US" dirty="0"/>
+              <a:t>session</a:t>
+            </a:r>
+            <a:endParaRPr lang="en-US" sz="900" dirty="0"/>
+          </a:p>
+          <a:p>
+            <a:pPr lvl="1"/>
+            <a:r>
+              <a:rPr lang="en-US" dirty="0"/>
+              <a:t>global session</a:t>
+            </a:r>
+            <a:endParaRPr lang="en-US" sz="900" dirty="0"/>
           </a:p>
           <a:p>
             <a:endParaRPr lang="en-US" dirty="0"/>
@@ -20091,13 +19999,6 @@
   <p:clrMapOvr>
     <a:masterClrMapping/>
   </p:clrMapOvr>
-  <p:timing>
-    <p:tnLst>
-      <p:par>
-        <p:cTn id="1" dur="indefinite" restart="never" nodeType="tmRoot"/>
-      </p:par>
-    </p:tnLst>
-  </p:timing>
 </p:sld>
 </file>
 
@@ -20135,8 +20036,13 @@
           <a:p>
             <a:r>
               <a:rPr lang="en-US" b="1" dirty="0"/>
-              <a:t>Bean Scope</a:t>
-            </a:r>
+              <a:t>Instantiating </a:t>
+            </a:r>
+            <a:r>
+              <a:rPr lang="en-US" b="1" dirty="0" smtClean="0"/>
+              <a:t>bean</a:t>
+            </a:r>
+            <a:endParaRPr lang="en-US" b="1" dirty="0"/>
           </a:p>
         </p:txBody>
       </p:sp>
@@ -20155,30 +20061,49 @@
           <a:bodyPr/>
           <a:lstStyle/>
           <a:p>
-            <a:r>
-              <a:rPr lang="en-US" dirty="0"/>
-              <a:t>Simple </a:t>
-            </a:r>
-            <a:endParaRPr lang="en-US" dirty="0" smtClean="0"/>
-          </a:p>
-          <a:p>
-            <a:r>
-              <a:rPr lang="en-US" dirty="0" smtClean="0"/>
-              <a:t>Runtime </a:t>
-            </a:r>
-          </a:p>
-          <a:p>
-            <a:r>
-              <a:rPr lang="en-US" dirty="0" smtClean="0"/>
-              <a:t>WEB</a:t>
-            </a:r>
-            <a:endParaRPr lang="en-US" dirty="0"/>
-          </a:p>
-          <a:p>
-            <a:r>
-              <a:rPr lang="en-US" dirty="0"/>
-              <a:t>CGLIB / JDK proxies</a:t>
-            </a:r>
+            <a:pPr marL="571500" lvl="0" indent="-342900">
+              <a:buFont typeface="+mj-lt"/>
+              <a:buAutoNum type="arabicPeriod"/>
+            </a:pPr>
+            <a:r>
+              <a:rPr lang="en-US" sz="2400" dirty="0"/>
+              <a:t>with a constructor</a:t>
+            </a:r>
+          </a:p>
+          <a:p>
+            <a:pPr marL="571500" lvl="0" indent="-342900">
+              <a:buFont typeface="+mj-lt"/>
+              <a:buAutoNum type="arabicPeriod"/>
+            </a:pPr>
+            <a:r>
+              <a:rPr lang="en-US" sz="2400" dirty="0"/>
+              <a:t>with a static factory method</a:t>
+            </a:r>
+          </a:p>
+          <a:p>
+            <a:pPr marL="571500" lvl="0" indent="-342900">
+              <a:buFont typeface="+mj-lt"/>
+              <a:buAutoNum type="arabicPeriod"/>
+            </a:pPr>
+            <a:r>
+              <a:rPr lang="en-US" sz="2400" dirty="0"/>
+              <a:t>using an instance factory method</a:t>
+            </a:r>
+          </a:p>
+          <a:p>
+            <a:pPr marL="571500" lvl="0" indent="-342900">
+              <a:buFont typeface="+mj-lt"/>
+              <a:buAutoNum type="arabicPeriod"/>
+            </a:pPr>
+            <a:r>
+              <a:rPr lang="en-US" sz="2400" dirty="0"/>
+              <a:t>with the </a:t>
+            </a:r>
+            <a:r>
+              <a:rPr lang="en-US" sz="2400" dirty="0" err="1"/>
+              <a:t>FactoryBean</a:t>
+            </a:r>
+            <a:endParaRPr lang="en-US" sz="2400" dirty="0"/>
           </a:p>
           <a:p>
             <a:endParaRPr lang="en-US" dirty="0"/>
@@ -20227,11 +20152,11 @@
           <a:p>
             <a:r>
               <a:rPr lang="en-US" b="1" dirty="0"/>
-              <a:t>Spring Bean </a:t>
+              <a:t>Constructor-based </a:t>
             </a:r>
             <a:r>
               <a:rPr lang="en-US" b="1" dirty="0" smtClean="0"/>
-              <a:t>Scopes</a:t>
+              <a:t>DI</a:t>
             </a:r>
             <a:endParaRPr lang="en-US" b="1" dirty="0"/>
           </a:p>
@@ -20252,95 +20177,24 @@
           <a:bodyPr/>
           <a:lstStyle/>
           <a:p>
-            <a:pPr lvl="0"/>
-            <a:r>
-              <a:rPr lang="en-US" dirty="0"/>
-              <a:t>simple</a:t>
-            </a:r>
-          </a:p>
-          <a:p>
-            <a:pPr lvl="1"/>
-            <a:r>
-              <a:rPr lang="en-US" dirty="0"/>
-              <a:t>singleton</a:t>
-            </a:r>
-            <a:endParaRPr lang="en-US" sz="900" dirty="0"/>
-          </a:p>
-          <a:p>
-            <a:pPr lvl="1"/>
-            <a:r>
-              <a:rPr lang="en-US" dirty="0"/>
-              <a:t>prototype</a:t>
-            </a:r>
-            <a:endParaRPr lang="en-US" sz="900" dirty="0"/>
-          </a:p>
-          <a:p>
-            <a:pPr lvl="0"/>
-            <a:r>
-              <a:rPr lang="en-US" dirty="0"/>
-              <a:t>runtime</a:t>
-            </a:r>
-            <a:endParaRPr lang="en-US" sz="800" dirty="0"/>
-          </a:p>
-          <a:p>
-            <a:pPr lvl="1"/>
-            <a:r>
-              <a:rPr lang="en-US" dirty="0"/>
-              <a:t>thread</a:t>
-            </a:r>
-            <a:endParaRPr lang="en-US" sz="900" dirty="0"/>
-          </a:p>
-          <a:p>
-            <a:pPr lvl="1"/>
-            <a:r>
-              <a:rPr lang="en-US" dirty="0"/>
-              <a:t>custom implementation</a:t>
-            </a:r>
-            <a:endParaRPr lang="en-US" sz="900" dirty="0"/>
-          </a:p>
-          <a:p>
-            <a:pPr lvl="0"/>
-            <a:r>
-              <a:rPr lang="en-US" sz="2000" dirty="0"/>
-              <a:t>web-aware scopes </a:t>
-            </a:r>
-            <a:r>
-              <a:rPr lang="en-US" dirty="0"/>
-              <a:t>(available only for web-aware </a:t>
-            </a:r>
-            <a:r>
-              <a:rPr lang="en-US" dirty="0" err="1"/>
-              <a:t>ApplicationContext</a:t>
-            </a:r>
-            <a:r>
-              <a:rPr lang="en-US" dirty="0"/>
-              <a:t>)</a:t>
-            </a:r>
-            <a:endParaRPr lang="en-US" sz="1200" dirty="0"/>
-          </a:p>
-          <a:p>
-            <a:pPr lvl="1"/>
-            <a:r>
-              <a:rPr lang="en-US" dirty="0"/>
-              <a:t>request</a:t>
-            </a:r>
-            <a:endParaRPr lang="en-US" sz="900" dirty="0"/>
-          </a:p>
-          <a:p>
-            <a:pPr lvl="1"/>
-            <a:r>
-              <a:rPr lang="en-US" dirty="0"/>
-              <a:t>session</a:t>
-            </a:r>
-            <a:endParaRPr lang="en-US" sz="900" dirty="0"/>
-          </a:p>
-          <a:p>
-            <a:pPr lvl="1"/>
-            <a:r>
-              <a:rPr lang="en-US" dirty="0"/>
-              <a:t>global session</a:t>
-            </a:r>
-            <a:endParaRPr lang="en-US" sz="900" dirty="0"/>
+            <a:pPr marL="514350" lvl="0" indent="-285750">
+              <a:buFont typeface="Arial" panose="020B0604020202020204" pitchFamily="34" charset="0"/>
+              <a:buChar char="•"/>
+            </a:pPr>
+            <a:r>
+              <a:rPr lang="en-US" sz="2400" b="0" dirty="0"/>
+              <a:t>is accomplished by the container invoking a constructor with a number of arguments, each representing a dependency</a:t>
+            </a:r>
+          </a:p>
+          <a:p>
+            <a:pPr marL="514350" lvl="0" indent="-285750">
+              <a:buFont typeface="Arial" panose="020B0604020202020204" pitchFamily="34" charset="0"/>
+              <a:buChar char="•"/>
+            </a:pPr>
+            <a:r>
+              <a:rPr lang="en-US" sz="2400" b="0" dirty="0"/>
+              <a:t>calling a static factory method with specific arguments to construct the bean is nearly equivalent</a:t>
+            </a:r>
           </a:p>
           <a:p>
             <a:endParaRPr lang="en-US" dirty="0"/>
@@ -20389,11 +20243,11 @@
           <a:p>
             <a:r>
               <a:rPr lang="en-US" b="1" dirty="0"/>
-              <a:t>Instantiating </a:t>
+              <a:t>Setter-based </a:t>
             </a:r>
             <a:r>
               <a:rPr lang="en-US" b="1" dirty="0" smtClean="0"/>
-              <a:t>bean</a:t>
+              <a:t>DI</a:t>
             </a:r>
             <a:endParaRPr lang="en-US" b="1" dirty="0"/>
           </a:p>
@@ -20414,49 +20268,11 @@
           <a:bodyPr/>
           <a:lstStyle/>
           <a:p>
-            <a:pPr marL="571500" lvl="0" indent="-342900">
-              <a:buFont typeface="+mj-lt"/>
-              <a:buAutoNum type="arabicPeriod"/>
-            </a:pPr>
-            <a:r>
-              <a:rPr lang="en-US" sz="2400" dirty="0"/>
-              <a:t>with a constructor</a:t>
-            </a:r>
-          </a:p>
-          <a:p>
-            <a:pPr marL="571500" lvl="0" indent="-342900">
-              <a:buFont typeface="+mj-lt"/>
-              <a:buAutoNum type="arabicPeriod"/>
-            </a:pPr>
-            <a:r>
-              <a:rPr lang="en-US" sz="2400" dirty="0"/>
-              <a:t>with a static factory method</a:t>
-            </a:r>
-          </a:p>
-          <a:p>
-            <a:pPr marL="571500" lvl="0" indent="-342900">
-              <a:buFont typeface="+mj-lt"/>
-              <a:buAutoNum type="arabicPeriod"/>
-            </a:pPr>
-            <a:r>
-              <a:rPr lang="en-US" sz="2400" dirty="0"/>
-              <a:t>using an instance factory method</a:t>
-            </a:r>
-          </a:p>
-          <a:p>
-            <a:pPr marL="571500" lvl="0" indent="-342900">
-              <a:buFont typeface="+mj-lt"/>
-              <a:buAutoNum type="arabicPeriod"/>
-            </a:pPr>
-            <a:r>
-              <a:rPr lang="en-US" sz="2400" dirty="0"/>
-              <a:t>with the </a:t>
-            </a:r>
-            <a:r>
-              <a:rPr lang="en-US" sz="2400" dirty="0" err="1"/>
-              <a:t>FactoryBean</a:t>
-            </a:r>
-            <a:endParaRPr lang="en-US" sz="2400" dirty="0"/>
+            <a:pPr lvl="0"/>
+            <a:r>
+              <a:rPr lang="en-US" sz="2400" b="0" dirty="0"/>
+              <a:t>is accomplished by the container calling setter methods on your beans after invoking a no- argument constructor or no-argument static factory method to instantiate bean</a:t>
+            </a:r>
           </a:p>
           <a:p>
             <a:endParaRPr lang="en-US" dirty="0"/>
@@ -20755,11 +20571,19 @@
           <a:p>
             <a:r>
               <a:rPr lang="en-US" b="1" dirty="0"/>
-              <a:t>Constructor-based </a:t>
+              <a:t>Constructor </a:t>
+            </a:r>
+            <a:r>
+              <a:rPr lang="en-US" b="1" dirty="0" err="1"/>
+              <a:t>vs</a:t>
+            </a:r>
+            <a:r>
+              <a:rPr lang="en-US" b="1" dirty="0"/>
+              <a:t> </a:t>
             </a:r>
             <a:r>
               <a:rPr lang="en-US" b="1" dirty="0" smtClean="0"/>
-              <a:t>DI</a:t>
+              <a:t>setter</a:t>
             </a:r>
             <a:endParaRPr lang="en-US" b="1" dirty="0"/>
           </a:p>
@@ -20781,23 +20605,63 @@
           <a:lstStyle/>
           <a:p>
             <a:pPr marL="514350" lvl="0" indent="-285750">
-              <a:buFont typeface="Arial" panose="020B0604020202020204" pitchFamily="34" charset="0"/>
-              <a:buChar char="•"/>
+              <a:buFont typeface="Wingdings" panose="05000000000000000000" pitchFamily="2" charset="2"/>
+              <a:buChar char="Ø"/>
             </a:pPr>
             <a:r>
-              <a:rPr lang="en-US" sz="2400" b="0" dirty="0"/>
-              <a:t>is accomplished by the container invoking a constructor with a number of arguments, each representing a dependency</a:t>
-            </a:r>
+              <a:rPr lang="en-US" sz="2400" dirty="0"/>
+              <a:t>constructor</a:t>
+            </a:r>
+          </a:p>
+          <a:p>
+            <a:pPr lvl="1"/>
+            <a:r>
+              <a:rPr lang="en-US" dirty="0"/>
+              <a:t>mandatory dependencies</a:t>
+            </a:r>
+            <a:endParaRPr lang="en-US" sz="800" dirty="0"/>
+          </a:p>
+          <a:p>
+            <a:pPr lvl="1"/>
+            <a:r>
+              <a:rPr lang="en-US" dirty="0"/>
+              <a:t>immutability</a:t>
+            </a:r>
+            <a:endParaRPr lang="en-US" sz="800" dirty="0"/>
           </a:p>
           <a:p>
             <a:pPr marL="514350" lvl="0" indent="-285750">
-              <a:buFont typeface="Arial" panose="020B0604020202020204" pitchFamily="34" charset="0"/>
-              <a:buChar char="•"/>
+              <a:buFont typeface="Wingdings" panose="05000000000000000000" pitchFamily="2" charset="2"/>
+              <a:buChar char="Ø"/>
             </a:pPr>
             <a:r>
-              <a:rPr lang="en-US" sz="2400" b="0" dirty="0"/>
-              <a:t>calling a static factory method with specific arguments to construct the bean is nearly equivalent</a:t>
-            </a:r>
+              <a:rPr lang="en-US" sz="2400" dirty="0"/>
+              <a:t>setter</a:t>
+            </a:r>
+          </a:p>
+          <a:p>
+            <a:pPr lvl="1"/>
+            <a:r>
+              <a:rPr lang="en-US" dirty="0"/>
+              <a:t>optional dependencies and default values</a:t>
+            </a:r>
+            <a:endParaRPr lang="en-US" sz="800" dirty="0"/>
+          </a:p>
+          <a:p>
+            <a:pPr lvl="1"/>
+            <a:r>
+              <a:rPr lang="en-US" dirty="0"/>
+              <a:t>obvious names</a:t>
+            </a:r>
+            <a:endParaRPr lang="en-US" sz="800" dirty="0"/>
+          </a:p>
+          <a:p>
+            <a:pPr lvl="1"/>
+            <a:r>
+              <a:rPr lang="en-US" dirty="0"/>
+              <a:t>auto inheritance</a:t>
+            </a:r>
+            <a:endParaRPr lang="en-US" sz="800" dirty="0"/>
           </a:p>
           <a:p>
             <a:endParaRPr lang="en-US" dirty="0"/>
@@ -20845,14 +20709,33 @@
           <a:lstStyle/>
           <a:p>
             <a:r>
+              <a:rPr lang="en-US" b="1" dirty="0" err="1" smtClean="0"/>
+              <a:t>Cấu</a:t>
+            </a:r>
+            <a:r>
+              <a:rPr lang="en-US" b="1" dirty="0" smtClean="0"/>
+              <a:t> </a:t>
+            </a:r>
+            <a:r>
+              <a:rPr lang="en-US" b="1" dirty="0" err="1" smtClean="0"/>
+              <a:t>trúc</a:t>
+            </a:r>
+            <a:r>
+              <a:rPr lang="en-US" b="1" dirty="0" smtClean="0"/>
+              <a:t> </a:t>
+            </a:r>
+            <a:r>
+              <a:rPr lang="en-US" b="1" dirty="0" err="1" smtClean="0"/>
+              <a:t>phân</a:t>
+            </a:r>
+            <a:r>
+              <a:rPr lang="en-US" b="1" dirty="0" smtClean="0"/>
+              <a:t> chia Projec</a:t>
+            </a:r>
+            <a:r>
               <a:rPr lang="en-US" b="1" dirty="0"/>
-              <a:t>Setter-based </a:t>
-            </a:r>
-            <a:r>
-              <a:rPr lang="en-US" b="1" dirty="0" smtClean="0"/>
-              <a:t>DI</a:t>
-            </a:r>
-            <a:endParaRPr lang="en-US" b="1" dirty="0"/>
+              <a:t>t</a:t>
+            </a:r>
           </a:p>
         </p:txBody>
       </p:sp>
@@ -20871,17 +20754,40 @@
           <a:bodyPr/>
           <a:lstStyle/>
           <a:p>
-            <a:pPr lvl="0"/>
-            <a:r>
-              <a:rPr lang="en-US" sz="2400" b="0" dirty="0"/>
-              <a:t>is accomplished by the container calling setter methods on your beans after invoking a no- argument constructor or no-argument static factory method to instantiate bean</a:t>
-            </a:r>
-          </a:p>
-          <a:p>
             <a:endParaRPr lang="en-US" dirty="0"/>
           </a:p>
         </p:txBody>
       </p:sp>
+      <p:pic>
+        <p:nvPicPr>
+          <p:cNvPr id="5" name="Picture 4"/>
+          <p:cNvPicPr>
+            <a:picLocks noChangeAspect="1"/>
+          </p:cNvPicPr>
+          <p:nvPr/>
+        </p:nvPicPr>
+        <p:blipFill>
+          <a:blip r:embed="rId2">
+            <a:extLst>
+              <a:ext uri="{28A0092B-C50C-407E-A947-70E740481C1C}">
+                <a14:useLocalDpi xmlns:a14="http://schemas.microsoft.com/office/drawing/2010/main" val="0"/>
+              </a:ext>
+            </a:extLst>
+          </a:blip>
+          <a:stretch>
+            <a:fillRect/>
+          </a:stretch>
+        </p:blipFill>
+        <p:spPr>
+          <a:xfrm>
+            <a:off x="0" y="1003300"/>
+            <a:ext cx="9144000" cy="5854700"/>
+          </a:xfrm>
+          <a:prstGeom prst="rect">
+            <a:avLst/>
+          </a:prstGeom>
+        </p:spPr>
+      </p:pic>
     </p:spTree>
   </p:cSld>
   <p:clrMapOvr>
@@ -20923,20 +20829,20 @@
           <a:lstStyle/>
           <a:p>
             <a:r>
-              <a:rPr lang="en-US" b="1" dirty="0"/>
-              <a:t>Constructor </a:t>
-            </a:r>
-            <a:r>
-              <a:rPr lang="en-US" b="1" dirty="0" err="1"/>
-              <a:t>vs</a:t>
-            </a:r>
-            <a:r>
-              <a:rPr lang="en-US" b="1" dirty="0"/>
+              <a:rPr lang="en-US" b="1" dirty="0" smtClean="0"/>
+              <a:t>Database </a:t>
+            </a:r>
+            <a:r>
+              <a:rPr lang="en-US" b="1" dirty="0" err="1" smtClean="0"/>
+              <a:t>trong</a:t>
+            </a:r>
+            <a:r>
+              <a:rPr lang="en-US" b="1" dirty="0" smtClean="0"/>
               <a:t> </a:t>
             </a:r>
             <a:r>
-              <a:rPr lang="en-US" b="1" dirty="0" smtClean="0"/>
-              <a:t>setter</a:t>
+              <a:rPr lang="en-US" b="1" dirty="0" err="1" smtClean="0"/>
+              <a:t>Springframework</a:t>
             </a:r>
             <a:endParaRPr lang="en-US" b="1" dirty="0"/>
           </a:p>
@@ -20962,62 +20868,364 @@
               <a:buChar char="Ø"/>
             </a:pPr>
             <a:r>
-              <a:rPr lang="en-US" sz="2400" dirty="0"/>
-              <a:t>constructor</a:t>
-            </a:r>
+              <a:rPr lang="en-US" sz="2400" dirty="0" smtClean="0"/>
+              <a:t>JPA</a:t>
+            </a:r>
+            <a:endParaRPr lang="en-US" sz="2400" dirty="0"/>
           </a:p>
           <a:p>
             <a:pPr lvl="1"/>
             <a:r>
-              <a:rPr lang="en-US" dirty="0"/>
-              <a:t>mandatory dependencies</a:t>
-            </a:r>
-            <a:endParaRPr lang="en-US" sz="800" dirty="0"/>
+              <a:rPr lang="en-US" sz="2400" dirty="0" err="1">
+                <a:latin typeface="+mj-lt"/>
+              </a:rPr>
+              <a:t>ánh</a:t>
+            </a:r>
+            <a:r>
+              <a:rPr lang="en-US" sz="2400" dirty="0">
+                <a:latin typeface="+mj-lt"/>
+              </a:rPr>
+              <a:t> </a:t>
+            </a:r>
+            <a:r>
+              <a:rPr lang="en-US" sz="2400" dirty="0" err="1">
+                <a:latin typeface="+mj-lt"/>
+              </a:rPr>
+              <a:t>xạ</a:t>
+            </a:r>
+            <a:r>
+              <a:rPr lang="en-US" sz="2400" dirty="0">
+                <a:latin typeface="+mj-lt"/>
+              </a:rPr>
+              <a:t> </a:t>
+            </a:r>
+            <a:r>
+              <a:rPr lang="en-US" sz="2400" dirty="0" err="1">
+                <a:latin typeface="+mj-lt"/>
+              </a:rPr>
+              <a:t>các</a:t>
+            </a:r>
+            <a:r>
+              <a:rPr lang="en-US" sz="2400" dirty="0">
+                <a:latin typeface="+mj-lt"/>
+              </a:rPr>
+              <a:t> </a:t>
+            </a:r>
+            <a:r>
+              <a:rPr lang="en-US" sz="2400" dirty="0" err="1" smtClean="0">
+                <a:latin typeface="+mj-lt"/>
+              </a:rPr>
+              <a:t>bảng</a:t>
+            </a:r>
+            <a:r>
+              <a:rPr lang="en-US" sz="2400" dirty="0" smtClean="0">
+                <a:latin typeface="+mj-lt"/>
+              </a:rPr>
+              <a:t> -&gt; </a:t>
+            </a:r>
+            <a:r>
+              <a:rPr lang="en-US" sz="2400" dirty="0" err="1" smtClean="0">
+                <a:latin typeface="+mj-lt"/>
+              </a:rPr>
+              <a:t>các</a:t>
+            </a:r>
+            <a:r>
+              <a:rPr lang="en-US" sz="2400" dirty="0" smtClean="0">
+                <a:latin typeface="+mj-lt"/>
+              </a:rPr>
+              <a:t> class</a:t>
+            </a:r>
           </a:p>
           <a:p>
             <a:pPr lvl="1"/>
             <a:r>
-              <a:rPr lang="en-US" dirty="0"/>
-              <a:t>immutability</a:t>
-            </a:r>
-            <a:endParaRPr lang="en-US" sz="800" dirty="0"/>
-          </a:p>
-          <a:p>
-            <a:pPr marL="514350" lvl="0" indent="-285750">
-              <a:buFont typeface="Wingdings" panose="05000000000000000000" pitchFamily="2" charset="2"/>
-              <a:buChar char="Ø"/>
-            </a:pPr>
-            <a:r>
-              <a:rPr lang="en-US" sz="2400" dirty="0"/>
-              <a:t>setter</a:t>
+              <a:rPr lang="en-US" sz="2400" dirty="0" err="1" smtClean="0">
+                <a:latin typeface="+mj-lt"/>
+              </a:rPr>
+              <a:t>các</a:t>
+            </a:r>
+            <a:r>
+              <a:rPr lang="en-US" sz="2400" dirty="0" smtClean="0">
+                <a:latin typeface="+mj-lt"/>
+              </a:rPr>
+              <a:t> </a:t>
+            </a:r>
+            <a:r>
+              <a:rPr lang="en-US" sz="2400" dirty="0" err="1">
+                <a:latin typeface="+mj-lt"/>
+              </a:rPr>
+              <a:t>mối</a:t>
+            </a:r>
+            <a:r>
+              <a:rPr lang="en-US" sz="2400" dirty="0">
+                <a:latin typeface="+mj-lt"/>
+              </a:rPr>
+              <a:t> </a:t>
+            </a:r>
+            <a:r>
+              <a:rPr lang="en-US" sz="2400" dirty="0" err="1">
+                <a:latin typeface="+mj-lt"/>
+              </a:rPr>
+              <a:t>quan</a:t>
+            </a:r>
+            <a:r>
+              <a:rPr lang="en-US" sz="2400" dirty="0">
+                <a:latin typeface="+mj-lt"/>
+              </a:rPr>
+              <a:t> </a:t>
+            </a:r>
+            <a:r>
+              <a:rPr lang="en-US" sz="2400" dirty="0" err="1" smtClean="0">
+                <a:latin typeface="+mj-lt"/>
+              </a:rPr>
+              <a:t>hệ</a:t>
+            </a:r>
+            <a:r>
+              <a:rPr lang="en-US" sz="2400" dirty="0" smtClean="0">
+                <a:latin typeface="+mj-lt"/>
+              </a:rPr>
+              <a:t> </a:t>
+            </a:r>
+            <a:r>
+              <a:rPr lang="en-US" sz="2400" dirty="0" err="1" smtClean="0">
+                <a:latin typeface="+mj-lt"/>
+              </a:rPr>
+              <a:t>bảng</a:t>
+            </a:r>
+            <a:r>
+              <a:rPr lang="en-US" sz="2400" dirty="0" smtClean="0">
+                <a:latin typeface="+mj-lt"/>
+              </a:rPr>
+              <a:t> -&gt; </a:t>
+            </a:r>
+            <a:r>
+              <a:rPr lang="en-US" sz="2400" dirty="0" err="1" smtClean="0">
+                <a:latin typeface="+mj-lt"/>
+              </a:rPr>
+              <a:t>các</a:t>
+            </a:r>
+            <a:r>
+              <a:rPr lang="en-US" sz="2400" dirty="0" smtClean="0">
+                <a:latin typeface="+mj-lt"/>
+              </a:rPr>
+              <a:t> </a:t>
+            </a:r>
+            <a:r>
+              <a:rPr lang="en-US" sz="2400" dirty="0" err="1" smtClean="0">
+                <a:latin typeface="+mj-lt"/>
+              </a:rPr>
+              <a:t>mqh</a:t>
+            </a:r>
+            <a:r>
+              <a:rPr lang="en-US" sz="2400" dirty="0" smtClean="0">
+                <a:latin typeface="+mj-lt"/>
+              </a:rPr>
+              <a:t> </a:t>
+            </a:r>
+            <a:r>
+              <a:rPr lang="en-US" sz="2400" dirty="0" err="1" smtClean="0">
+                <a:latin typeface="+mj-lt"/>
+              </a:rPr>
+              <a:t>giữa</a:t>
+            </a:r>
+            <a:r>
+              <a:rPr lang="en-US" sz="2400" dirty="0" smtClean="0">
+                <a:latin typeface="+mj-lt"/>
+              </a:rPr>
+              <a:t> object</a:t>
             </a:r>
           </a:p>
           <a:p>
             <a:pPr lvl="1"/>
             <a:r>
-              <a:rPr lang="en-US" dirty="0"/>
-              <a:t>optional dependencies and default values</a:t>
-            </a:r>
-            <a:endParaRPr lang="en-US" sz="800" dirty="0"/>
+              <a:rPr lang="en-US" sz="2400" dirty="0" err="1" smtClean="0">
+                <a:latin typeface="+mj-lt"/>
+              </a:rPr>
+              <a:t>Khi</a:t>
+            </a:r>
+            <a:r>
+              <a:rPr lang="en-US" sz="2400" dirty="0" smtClean="0">
+                <a:latin typeface="+mj-lt"/>
+              </a:rPr>
+              <a:t> </a:t>
+            </a:r>
+            <a:r>
+              <a:rPr lang="en-US" sz="2400" dirty="0" err="1" smtClean="0">
+                <a:latin typeface="+mj-lt"/>
+              </a:rPr>
+              <a:t>truy</a:t>
+            </a:r>
+            <a:r>
+              <a:rPr lang="en-US" sz="2400" dirty="0" smtClean="0">
+                <a:latin typeface="+mj-lt"/>
+              </a:rPr>
+              <a:t> </a:t>
+            </a:r>
+            <a:r>
+              <a:rPr lang="en-US" sz="2400" dirty="0" err="1" smtClean="0">
+                <a:latin typeface="+mj-lt"/>
+              </a:rPr>
+              <a:t>vấn</a:t>
+            </a:r>
+            <a:r>
+              <a:rPr lang="en-US" sz="2400" dirty="0" smtClean="0">
+                <a:latin typeface="+mj-lt"/>
+              </a:rPr>
+              <a:t> ? </a:t>
+            </a:r>
           </a:p>
           <a:p>
             <a:pPr lvl="1"/>
             <a:r>
-              <a:rPr lang="en-US" dirty="0"/>
-              <a:t>obvious names</a:t>
-            </a:r>
-            <a:endParaRPr lang="en-US" sz="800" dirty="0"/>
-          </a:p>
-          <a:p>
-            <a:pPr lvl="1"/>
-            <a:r>
-              <a:rPr lang="en-US" dirty="0"/>
-              <a:t>auto inheritance</a:t>
-            </a:r>
-            <a:endParaRPr lang="en-US" sz="800" dirty="0"/>
-          </a:p>
-          <a:p>
-            <a:endParaRPr lang="en-US" dirty="0"/>
+              <a:rPr lang="en-US" sz="2400" dirty="0" smtClean="0">
+                <a:latin typeface="+mj-lt"/>
+              </a:rPr>
+              <a:t>- </a:t>
+            </a:r>
+            <a:r>
+              <a:rPr lang="en-US" sz="2400" dirty="0" err="1" smtClean="0">
+                <a:latin typeface="+mj-lt"/>
+              </a:rPr>
+              <a:t>làm</a:t>
+            </a:r>
+            <a:r>
+              <a:rPr lang="en-US" sz="2400" dirty="0" smtClean="0">
+                <a:latin typeface="+mj-lt"/>
+              </a:rPr>
+              <a:t> </a:t>
+            </a:r>
+            <a:r>
+              <a:rPr lang="en-US" sz="2400" dirty="0" err="1" smtClean="0">
+                <a:latin typeface="+mj-lt"/>
+              </a:rPr>
+              <a:t>việc</a:t>
+            </a:r>
+            <a:r>
+              <a:rPr lang="en-US" sz="2400" dirty="0" smtClean="0">
+                <a:latin typeface="+mj-lt"/>
+              </a:rPr>
+              <a:t> </a:t>
+            </a:r>
+            <a:r>
+              <a:rPr lang="en-US" sz="2400" dirty="0" err="1" smtClean="0">
+                <a:latin typeface="+mj-lt"/>
+              </a:rPr>
+              <a:t>với</a:t>
+            </a:r>
+            <a:r>
+              <a:rPr lang="en-US" sz="2400" dirty="0" smtClean="0">
+                <a:latin typeface="+mj-lt"/>
+              </a:rPr>
+              <a:t> </a:t>
+            </a:r>
+            <a:r>
+              <a:rPr lang="en-US" sz="2400" dirty="0" err="1" smtClean="0">
+                <a:latin typeface="+mj-lt"/>
+              </a:rPr>
+              <a:t>các</a:t>
+            </a:r>
+            <a:r>
+              <a:rPr lang="en-US" sz="2400" dirty="0" smtClean="0">
+                <a:latin typeface="+mj-lt"/>
+              </a:rPr>
+              <a:t> class </a:t>
+            </a:r>
+            <a:r>
+              <a:rPr lang="en-US" sz="2400" dirty="0" err="1" smtClean="0">
+                <a:latin typeface="+mj-lt"/>
+              </a:rPr>
+              <a:t>mà</a:t>
+            </a:r>
+            <a:r>
+              <a:rPr lang="en-US" sz="2400" dirty="0" smtClean="0">
+                <a:latin typeface="+mj-lt"/>
+              </a:rPr>
+              <a:t> </a:t>
+            </a:r>
+            <a:r>
+              <a:rPr lang="en-US" sz="2400" dirty="0" err="1" smtClean="0">
+                <a:latin typeface="+mj-lt"/>
+              </a:rPr>
+              <a:t>không</a:t>
+            </a:r>
+            <a:r>
+              <a:rPr lang="en-US" sz="2400" dirty="0" smtClean="0">
+                <a:latin typeface="+mj-lt"/>
+              </a:rPr>
+              <a:t> </a:t>
+            </a:r>
+            <a:r>
+              <a:rPr lang="en-US" sz="2400" dirty="0" err="1" smtClean="0">
+                <a:latin typeface="+mj-lt"/>
+              </a:rPr>
+              <a:t>quan</a:t>
+            </a:r>
+            <a:r>
+              <a:rPr lang="en-US" sz="2400" dirty="0" smtClean="0">
+                <a:latin typeface="+mj-lt"/>
+              </a:rPr>
+              <a:t> </a:t>
+            </a:r>
+            <a:r>
+              <a:rPr lang="en-US" sz="2400" dirty="0" err="1" smtClean="0">
+                <a:latin typeface="+mj-lt"/>
+              </a:rPr>
+              <a:t>tâm</a:t>
+            </a:r>
+            <a:r>
+              <a:rPr lang="en-US" sz="2400" dirty="0" smtClean="0">
+                <a:latin typeface="+mj-lt"/>
+              </a:rPr>
+              <a:t> database </a:t>
+            </a:r>
+            <a:r>
+              <a:rPr lang="en-US" sz="2400" dirty="0" err="1" smtClean="0">
+                <a:latin typeface="+mj-lt"/>
+              </a:rPr>
+              <a:t>đang</a:t>
+            </a:r>
+            <a:r>
+              <a:rPr lang="en-US" sz="2400" dirty="0" smtClean="0">
+                <a:latin typeface="+mj-lt"/>
+              </a:rPr>
+              <a:t> </a:t>
+            </a:r>
+            <a:r>
+              <a:rPr lang="en-US" sz="2400" dirty="0" err="1" smtClean="0">
+                <a:latin typeface="+mj-lt"/>
+              </a:rPr>
+              <a:t>dùng</a:t>
+            </a:r>
+            <a:r>
+              <a:rPr lang="en-US" sz="2400" dirty="0" smtClean="0">
+                <a:latin typeface="+mj-lt"/>
+              </a:rPr>
+              <a:t> </a:t>
+            </a:r>
+            <a:r>
+              <a:rPr lang="en-US" sz="2400" dirty="0" err="1" smtClean="0">
+                <a:latin typeface="+mj-lt"/>
+              </a:rPr>
+              <a:t>là</a:t>
+            </a:r>
+            <a:r>
+              <a:rPr lang="en-US" sz="2400" dirty="0" smtClean="0">
+                <a:latin typeface="+mj-lt"/>
+              </a:rPr>
+              <a:t> </a:t>
+            </a:r>
+            <a:r>
+              <a:rPr lang="en-US" sz="2400" dirty="0" err="1" smtClean="0">
+                <a:latin typeface="+mj-lt"/>
+              </a:rPr>
+              <a:t>gì</a:t>
+            </a:r>
+            <a:r>
+              <a:rPr lang="en-US" sz="2400" dirty="0" smtClean="0">
+                <a:latin typeface="+mj-lt"/>
+              </a:rPr>
+              <a:t>.</a:t>
+            </a:r>
           </a:p>
         </p:txBody>
       </p:sp>
@@ -21063,7 +21271,7 @@
           <a:p>
             <a:r>
               <a:rPr lang="en-US" b="1" dirty="0" err="1" smtClean="0"/>
-              <a:t>Cấu</a:t>
+              <a:t>Khái</a:t>
             </a:r>
             <a:r>
               <a:rPr lang="en-US" b="1" dirty="0" smtClean="0"/>
@@ -21071,24 +21279,13 @@
             </a:r>
             <a:r>
               <a:rPr lang="en-US" b="1" dirty="0" err="1" smtClean="0"/>
-              <a:t>trúc</a:t>
+              <a:t>niệm</a:t>
             </a:r>
             <a:r>
               <a:rPr lang="en-US" b="1" dirty="0" smtClean="0"/>
-              <a:t> </a:t>
-            </a:r>
-            <a:r>
-              <a:rPr lang="en-US" b="1" dirty="0" err="1" smtClean="0"/>
-              <a:t>phân</a:t>
-            </a:r>
-            <a:r>
-              <a:rPr lang="en-US" b="1" dirty="0" smtClean="0"/>
-              <a:t> chia Projec</a:t>
-            </a:r>
-            <a:r>
-              <a:rPr lang="en-US" b="1" dirty="0"/>
-              <a:t>t</a:t>
-            </a:r>
+              <a:t> JPA</a:t>
+            </a:r>
+            <a:endParaRPr lang="en-US" b="1" dirty="0"/>
           </a:p>
         </p:txBody>
       </p:sp>
@@ -21102,45 +21299,76 @@
             <p:ph type="body" idx="1"/>
           </p:nvPr>
         </p:nvSpPr>
-        <p:spPr/>
+        <p:spPr>
+          <a:xfrm>
+            <a:off x="822960" y="914400"/>
+            <a:ext cx="7520940" cy="4635500"/>
+          </a:xfrm>
+        </p:spPr>
         <p:txBody>
           <a:bodyPr/>
           <a:lstStyle/>
           <a:p>
-            <a:endParaRPr lang="en-US" dirty="0"/>
+            <a:pPr marL="571500" indent="-342900" fontAlgn="base">
+              <a:buFont typeface="Wingdings" panose="05000000000000000000" pitchFamily="2" charset="2"/>
+              <a:buChar char="§"/>
+            </a:pPr>
+            <a:r>
+              <a:rPr lang="vi-VN" sz="2400" b="0" dirty="0"/>
+              <a:t>Entity: Entity là các đối tượng thể hiện tương ứng 1 table trong cơ sở dữ liệu. Khi lập trình, entity thường là các class POJO đơn giản, chỉ gồm các method getter, setter</a:t>
+            </a:r>
+            <a:r>
+              <a:rPr lang="vi-VN" sz="2400" b="0" dirty="0" smtClean="0"/>
+              <a:t>. (POJO: </a:t>
+            </a:r>
+            <a:r>
+              <a:rPr lang="vi-VN" sz="2400" dirty="0" smtClean="0"/>
+              <a:t>plain </a:t>
+            </a:r>
+            <a:r>
+              <a:rPr lang="vi-VN" sz="2400" dirty="0"/>
+              <a:t>old Java </a:t>
+            </a:r>
+            <a:r>
+              <a:rPr lang="vi-VN" sz="2400" dirty="0" smtClean="0"/>
+              <a:t>object</a:t>
+            </a:r>
+            <a:r>
+              <a:rPr lang="vi-VN" sz="2400" b="0" dirty="0" smtClean="0"/>
+              <a:t>)</a:t>
+            </a:r>
+          </a:p>
+          <a:p>
+            <a:pPr marL="571500" indent="-342900" fontAlgn="base">
+              <a:buFont typeface="Wingdings" panose="05000000000000000000" pitchFamily="2" charset="2"/>
+              <a:buChar char="§"/>
+            </a:pPr>
+            <a:r>
+              <a:rPr lang="vi-VN" sz="2400" b="0" dirty="0" smtClean="0"/>
+              <a:t>EntityManager</a:t>
+            </a:r>
+            <a:r>
+              <a:rPr lang="vi-VN" sz="2400" b="0" dirty="0"/>
+              <a:t>: EntityManager là một giao diện (interface) cung cấp các API cho việc tương tác với các Entity như </a:t>
+            </a:r>
+            <a:r>
+              <a:rPr lang="vi-VN" sz="2400" b="0" dirty="0" smtClean="0"/>
+              <a:t>Persist, merge, remove.</a:t>
+            </a:r>
+            <a:endParaRPr lang="vi-VN" sz="2400" b="0" dirty="0"/>
+          </a:p>
+          <a:p>
+            <a:pPr marL="571500" indent="-342900" fontAlgn="base">
+              <a:buFont typeface="Wingdings" panose="05000000000000000000" pitchFamily="2" charset="2"/>
+              <a:buChar char="§"/>
+            </a:pPr>
+            <a:r>
+              <a:rPr lang="vi-VN" sz="2400" b="0" dirty="0"/>
+              <a:t>EntityManagerFactory: EntityManagerFactory được dùng để tạo ra một thể hiện của EntityManager.</a:t>
+            </a:r>
           </a:p>
         </p:txBody>
       </p:sp>
-      <p:pic>
-        <p:nvPicPr>
-          <p:cNvPr id="5" name="Picture 4"/>
-          <p:cNvPicPr>
-            <a:picLocks noChangeAspect="1"/>
-          </p:cNvPicPr>
-          <p:nvPr/>
-        </p:nvPicPr>
-        <p:blipFill>
-          <a:blip r:embed="rId2">
-            <a:extLst>
-              <a:ext uri="{28A0092B-C50C-407E-A947-70E740481C1C}">
-                <a14:useLocalDpi xmlns:a14="http://schemas.microsoft.com/office/drawing/2010/main" val="0"/>
-              </a:ext>
-            </a:extLst>
-          </a:blip>
-          <a:stretch>
-            <a:fillRect/>
-          </a:stretch>
-        </p:blipFill>
-        <p:spPr>
-          <a:xfrm>
-            <a:off x="0" y="1003300"/>
-            <a:ext cx="9144000" cy="5854700"/>
-          </a:xfrm>
-          <a:prstGeom prst="rect">
-            <a:avLst/>
-          </a:prstGeom>
-        </p:spPr>
-      </p:pic>
     </p:spTree>
   </p:cSld>
   <p:clrMapOvr>
@@ -21183,19 +21411,7 @@
           <a:p>
             <a:r>
               <a:rPr lang="en-US" b="1" dirty="0" smtClean="0"/>
-              <a:t>Database </a:t>
-            </a:r>
-            <a:r>
-              <a:rPr lang="en-US" b="1" dirty="0" err="1" smtClean="0"/>
-              <a:t>trong</a:t>
-            </a:r>
-            <a:r>
-              <a:rPr lang="en-US" b="1" dirty="0" smtClean="0"/>
-              <a:t> </a:t>
-            </a:r>
-            <a:r>
-              <a:rPr lang="en-US" b="1" dirty="0" err="1" smtClean="0"/>
-              <a:t>Springframework</a:t>
+              <a:t>Hibernate</a:t>
             </a:r>
             <a:endParaRPr lang="en-US" b="1" dirty="0"/>
           </a:p>
@@ -21221,364 +21437,171 @@
               <a:buChar char="Ø"/>
             </a:pPr>
             <a:r>
+              <a:rPr lang="en-US" sz="2400" dirty="0"/>
+              <a:t>Hibernate </a:t>
+            </a:r>
+            <a:r>
+              <a:rPr lang="en-US" sz="2400" dirty="0" err="1"/>
+              <a:t>là</a:t>
+            </a:r>
+            <a:r>
+              <a:rPr lang="en-US" sz="2400" dirty="0"/>
+              <a:t> 1 ORM </a:t>
+            </a:r>
+            <a:r>
               <a:rPr lang="en-US" sz="2400" dirty="0" smtClean="0"/>
-              <a:t>JPA</a:t>
+              <a:t>framework</a:t>
+            </a:r>
+          </a:p>
+          <a:p>
+            <a:pPr marL="514350" indent="-285750">
+              <a:buFont typeface="Wingdings" panose="05000000000000000000" pitchFamily="2" charset="2"/>
+              <a:buChar char="Ø"/>
+            </a:pPr>
+            <a:r>
+              <a:rPr lang="en-US" sz="2400" dirty="0" smtClean="0"/>
+              <a:t>(</a:t>
+            </a:r>
+            <a:r>
+              <a:rPr lang="vi-VN" sz="2400" dirty="0" smtClean="0"/>
+              <a:t>ORM: </a:t>
+            </a:r>
+            <a:r>
+              <a:rPr lang="vi-VN" sz="2400" b="0" dirty="0" smtClean="0"/>
+              <a:t>Object </a:t>
+            </a:r>
+            <a:r>
+              <a:rPr lang="vi-VN" sz="2400" b="0" dirty="0"/>
+              <a:t>Relational Mapping</a:t>
+            </a:r>
+            <a:r>
+              <a:rPr lang="en-US" sz="2400" dirty="0" smtClean="0"/>
+              <a:t>)</a:t>
+            </a:r>
+          </a:p>
+          <a:p>
+            <a:pPr marL="571500" lvl="0" indent="-342900">
+              <a:buFontTx/>
+              <a:buChar char="-"/>
+            </a:pPr>
+            <a:r>
+              <a:rPr lang="en-US" sz="2400" dirty="0" err="1" smtClean="0"/>
+              <a:t>Ánh</a:t>
+            </a:r>
+            <a:r>
+              <a:rPr lang="en-US" sz="2400" dirty="0" smtClean="0"/>
+              <a:t> </a:t>
+            </a:r>
+            <a:r>
+              <a:rPr lang="en-US" sz="2400" dirty="0" err="1" smtClean="0"/>
+              <a:t>xạ</a:t>
+            </a:r>
+            <a:r>
+              <a:rPr lang="en-US" sz="2400" dirty="0" smtClean="0"/>
+              <a:t> table </a:t>
+            </a:r>
+            <a:r>
+              <a:rPr lang="en-US" sz="2400" dirty="0" err="1" smtClean="0"/>
+              <a:t>trong</a:t>
+            </a:r>
+            <a:r>
+              <a:rPr lang="en-US" sz="2400" dirty="0" smtClean="0"/>
+              <a:t> database -&gt; class</a:t>
+            </a:r>
+          </a:p>
+          <a:p>
+            <a:pPr marL="571500" lvl="0" indent="-342900">
+              <a:buFontTx/>
+              <a:buChar char="-"/>
+            </a:pPr>
+            <a:r>
+              <a:rPr lang="en-US" sz="2400" dirty="0" err="1" smtClean="0"/>
+              <a:t>Ánh</a:t>
+            </a:r>
+            <a:r>
+              <a:rPr lang="en-US" sz="2400" dirty="0" smtClean="0"/>
+              <a:t> </a:t>
+            </a:r>
+            <a:r>
+              <a:rPr lang="en-US" sz="2400" dirty="0" err="1" smtClean="0"/>
+              <a:t>xạ</a:t>
+            </a:r>
+            <a:r>
+              <a:rPr lang="en-US" sz="2400" dirty="0" smtClean="0"/>
+              <a:t> </a:t>
+            </a:r>
+            <a:r>
+              <a:rPr lang="en-US" sz="2400" dirty="0" err="1" smtClean="0"/>
+              <a:t>các</a:t>
+            </a:r>
+            <a:r>
+              <a:rPr lang="en-US" sz="2400" dirty="0" smtClean="0"/>
+              <a:t> </a:t>
+            </a:r>
+            <a:r>
+              <a:rPr lang="en-US" sz="2400" dirty="0" err="1" smtClean="0"/>
+              <a:t>mqh</a:t>
+            </a:r>
+            <a:r>
+              <a:rPr lang="en-US" sz="2400" dirty="0" smtClean="0"/>
+              <a:t> </a:t>
+            </a:r>
+            <a:r>
+              <a:rPr lang="en-US" sz="2400" dirty="0" err="1" smtClean="0"/>
+              <a:t>giữa</a:t>
+            </a:r>
+            <a:r>
+              <a:rPr lang="en-US" sz="2400" dirty="0" smtClean="0"/>
+              <a:t> table- &gt; </a:t>
+            </a:r>
+            <a:r>
+              <a:rPr lang="en-US" sz="2400" dirty="0" err="1" smtClean="0"/>
+              <a:t>mqh</a:t>
+            </a:r>
+            <a:r>
+              <a:rPr lang="en-US" sz="2400" dirty="0" smtClean="0"/>
+              <a:t> </a:t>
+            </a:r>
+            <a:r>
+              <a:rPr lang="en-US" sz="2400" dirty="0" err="1" smtClean="0"/>
+              <a:t>giữa</a:t>
+            </a:r>
+            <a:r>
+              <a:rPr lang="en-US" sz="2400" dirty="0" smtClean="0"/>
+              <a:t> </a:t>
+            </a:r>
+            <a:r>
+              <a:rPr lang="en-US" sz="2400" dirty="0" err="1" smtClean="0"/>
+              <a:t>các</a:t>
+            </a:r>
+            <a:r>
+              <a:rPr lang="en-US" sz="2400" dirty="0" smtClean="0"/>
+              <a:t> object</a:t>
             </a:r>
             <a:endParaRPr lang="en-US" sz="2400" dirty="0"/>
           </a:p>
           <a:p>
             <a:pPr lvl="1"/>
             <a:r>
-              <a:rPr lang="en-US" sz="2400" dirty="0" err="1">
-                <a:latin typeface="+mj-lt"/>
-              </a:rPr>
-              <a:t>ánh</a:t>
-            </a:r>
-            <a:r>
-              <a:rPr lang="en-US" sz="2400" dirty="0">
-                <a:latin typeface="+mj-lt"/>
-              </a:rPr>
-              <a:t> </a:t>
-            </a:r>
-            <a:r>
-              <a:rPr lang="en-US" sz="2400" dirty="0" err="1">
-                <a:latin typeface="+mj-lt"/>
-              </a:rPr>
-              <a:t>xạ</a:t>
-            </a:r>
-            <a:r>
-              <a:rPr lang="en-US" sz="2400" dirty="0">
-                <a:latin typeface="+mj-lt"/>
-              </a:rPr>
-              <a:t> </a:t>
-            </a:r>
-            <a:r>
-              <a:rPr lang="en-US" sz="2400" dirty="0" err="1">
-                <a:latin typeface="+mj-lt"/>
-              </a:rPr>
-              <a:t>các</a:t>
-            </a:r>
-            <a:r>
-              <a:rPr lang="en-US" sz="2400" dirty="0">
-                <a:latin typeface="+mj-lt"/>
-              </a:rPr>
-              <a:t> </a:t>
-            </a:r>
-            <a:r>
-              <a:rPr lang="en-US" sz="2400" dirty="0" err="1" smtClean="0">
-                <a:latin typeface="+mj-lt"/>
-              </a:rPr>
-              <a:t>bảng</a:t>
-            </a:r>
-            <a:r>
-              <a:rPr lang="en-US" sz="2400" dirty="0" smtClean="0">
-                <a:latin typeface="+mj-lt"/>
-              </a:rPr>
-              <a:t> -&gt; </a:t>
-            </a:r>
-            <a:r>
-              <a:rPr lang="en-US" sz="2400" dirty="0" err="1" smtClean="0">
-                <a:latin typeface="+mj-lt"/>
-              </a:rPr>
-              <a:t>các</a:t>
-            </a:r>
-            <a:r>
-              <a:rPr lang="en-US" sz="2400" dirty="0" smtClean="0">
-                <a:latin typeface="+mj-lt"/>
-              </a:rPr>
-              <a:t> class</a:t>
-            </a:r>
+              <a:rPr lang="vi-VN" sz="2400" dirty="0" smtClean="0"/>
+              <a:t>Hay </a:t>
+            </a:r>
+            <a:r>
+              <a:rPr lang="vi-VN" sz="2400" dirty="0"/>
+              <a:t>nói cách khác, Hibernate chính là cài đặt của JPA (JPA là 1 tập các interface, còn Hibernate implements các interface ấy 1 cách chi tiết</a:t>
+            </a:r>
+            <a:r>
+              <a:rPr lang="vi-VN" sz="2400" dirty="0" smtClean="0"/>
+              <a:t>).</a:t>
+            </a:r>
+            <a:endParaRPr lang="en-US" sz="2400" dirty="0" smtClean="0"/>
           </a:p>
           <a:p>
             <a:pPr lvl="1"/>
-            <a:r>
-              <a:rPr lang="en-US" sz="2400" dirty="0" err="1" smtClean="0">
-                <a:latin typeface="+mj-lt"/>
-              </a:rPr>
-              <a:t>các</a:t>
-            </a:r>
-            <a:r>
-              <a:rPr lang="en-US" sz="2400" dirty="0" smtClean="0">
-                <a:latin typeface="+mj-lt"/>
-              </a:rPr>
-              <a:t> </a:t>
-            </a:r>
-            <a:r>
-              <a:rPr lang="en-US" sz="2400" dirty="0" err="1">
-                <a:latin typeface="+mj-lt"/>
-              </a:rPr>
-              <a:t>mối</a:t>
-            </a:r>
-            <a:r>
-              <a:rPr lang="en-US" sz="2400" dirty="0">
-                <a:latin typeface="+mj-lt"/>
-              </a:rPr>
-              <a:t> </a:t>
-            </a:r>
-            <a:r>
-              <a:rPr lang="en-US" sz="2400" dirty="0" err="1">
-                <a:latin typeface="+mj-lt"/>
-              </a:rPr>
-              <a:t>quan</a:t>
-            </a:r>
-            <a:r>
-              <a:rPr lang="en-US" sz="2400" dirty="0">
-                <a:latin typeface="+mj-lt"/>
-              </a:rPr>
-              <a:t> </a:t>
-            </a:r>
-            <a:r>
-              <a:rPr lang="en-US" sz="2400" dirty="0" err="1" smtClean="0">
-                <a:latin typeface="+mj-lt"/>
-              </a:rPr>
-              <a:t>hệ</a:t>
-            </a:r>
-            <a:r>
-              <a:rPr lang="en-US" sz="2400" dirty="0" smtClean="0">
-                <a:latin typeface="+mj-lt"/>
-              </a:rPr>
-              <a:t> </a:t>
-            </a:r>
-            <a:r>
-              <a:rPr lang="en-US" sz="2400" dirty="0" err="1" smtClean="0">
-                <a:latin typeface="+mj-lt"/>
-              </a:rPr>
-              <a:t>bảng</a:t>
-            </a:r>
-            <a:r>
-              <a:rPr lang="en-US" sz="2400" dirty="0" smtClean="0">
-                <a:latin typeface="+mj-lt"/>
-              </a:rPr>
-              <a:t> -&gt; </a:t>
-            </a:r>
-            <a:r>
-              <a:rPr lang="en-US" sz="2400" dirty="0" err="1" smtClean="0">
-                <a:latin typeface="+mj-lt"/>
-              </a:rPr>
-              <a:t>các</a:t>
-            </a:r>
-            <a:r>
-              <a:rPr lang="en-US" sz="2400" dirty="0" smtClean="0">
-                <a:latin typeface="+mj-lt"/>
-              </a:rPr>
-              <a:t> </a:t>
-            </a:r>
-            <a:r>
-              <a:rPr lang="en-US" sz="2400" dirty="0" err="1" smtClean="0">
-                <a:latin typeface="+mj-lt"/>
-              </a:rPr>
-              <a:t>mqh</a:t>
-            </a:r>
-            <a:r>
-              <a:rPr lang="en-US" sz="2400" dirty="0" smtClean="0">
-                <a:latin typeface="+mj-lt"/>
-              </a:rPr>
-              <a:t> </a:t>
-            </a:r>
-            <a:r>
-              <a:rPr lang="en-US" sz="2400" dirty="0" err="1" smtClean="0">
-                <a:latin typeface="+mj-lt"/>
-              </a:rPr>
-              <a:t>giữa</a:t>
-            </a:r>
-            <a:r>
-              <a:rPr lang="en-US" sz="2400" dirty="0" smtClean="0">
-                <a:latin typeface="+mj-lt"/>
-              </a:rPr>
-              <a:t> object</a:t>
-            </a:r>
-          </a:p>
-          <a:p>
-            <a:pPr lvl="1"/>
-            <a:r>
-              <a:rPr lang="en-US" sz="2400" dirty="0" err="1" smtClean="0">
-                <a:latin typeface="+mj-lt"/>
-              </a:rPr>
-              <a:t>Khi</a:t>
-            </a:r>
-            <a:r>
-              <a:rPr lang="en-US" sz="2400" dirty="0" smtClean="0">
-                <a:latin typeface="+mj-lt"/>
-              </a:rPr>
-              <a:t> </a:t>
-            </a:r>
-            <a:r>
-              <a:rPr lang="en-US" sz="2400" dirty="0" err="1" smtClean="0">
-                <a:latin typeface="+mj-lt"/>
-              </a:rPr>
-              <a:t>truy</a:t>
-            </a:r>
-            <a:r>
-              <a:rPr lang="en-US" sz="2400" dirty="0" smtClean="0">
-                <a:latin typeface="+mj-lt"/>
-              </a:rPr>
-              <a:t> </a:t>
-            </a:r>
-            <a:r>
-              <a:rPr lang="en-US" sz="2400" dirty="0" err="1" smtClean="0">
-                <a:latin typeface="+mj-lt"/>
-              </a:rPr>
-              <a:t>vấn</a:t>
-            </a:r>
-            <a:r>
-              <a:rPr lang="en-US" sz="2400" dirty="0" smtClean="0">
-                <a:latin typeface="+mj-lt"/>
-              </a:rPr>
-              <a:t> ? </a:t>
-            </a:r>
-          </a:p>
-          <a:p>
-            <a:pPr lvl="1"/>
-            <a:r>
-              <a:rPr lang="en-US" sz="2400" dirty="0" smtClean="0">
-                <a:latin typeface="+mj-lt"/>
-              </a:rPr>
-              <a:t>- </a:t>
-            </a:r>
-            <a:r>
-              <a:rPr lang="en-US" sz="2400" dirty="0" err="1" smtClean="0">
-                <a:latin typeface="+mj-lt"/>
-              </a:rPr>
-              <a:t>làm</a:t>
-            </a:r>
-            <a:r>
-              <a:rPr lang="en-US" sz="2400" dirty="0" smtClean="0">
-                <a:latin typeface="+mj-lt"/>
-              </a:rPr>
-              <a:t> </a:t>
-            </a:r>
-            <a:r>
-              <a:rPr lang="en-US" sz="2400" dirty="0" err="1" smtClean="0">
-                <a:latin typeface="+mj-lt"/>
-              </a:rPr>
-              <a:t>việc</a:t>
-            </a:r>
-            <a:r>
-              <a:rPr lang="en-US" sz="2400" dirty="0" smtClean="0">
-                <a:latin typeface="+mj-lt"/>
-              </a:rPr>
-              <a:t> </a:t>
-            </a:r>
-            <a:r>
-              <a:rPr lang="en-US" sz="2400" dirty="0" err="1" smtClean="0">
-                <a:latin typeface="+mj-lt"/>
-              </a:rPr>
-              <a:t>với</a:t>
-            </a:r>
-            <a:r>
-              <a:rPr lang="en-US" sz="2400" dirty="0" smtClean="0">
-                <a:latin typeface="+mj-lt"/>
-              </a:rPr>
-              <a:t> </a:t>
-            </a:r>
-            <a:r>
-              <a:rPr lang="en-US" sz="2400" dirty="0" err="1" smtClean="0">
-                <a:latin typeface="+mj-lt"/>
-              </a:rPr>
-              <a:t>các</a:t>
-            </a:r>
-            <a:r>
-              <a:rPr lang="en-US" sz="2400" dirty="0" smtClean="0">
-                <a:latin typeface="+mj-lt"/>
-              </a:rPr>
-              <a:t> class </a:t>
-            </a:r>
-            <a:r>
-              <a:rPr lang="en-US" sz="2400" dirty="0" err="1" smtClean="0">
-                <a:latin typeface="+mj-lt"/>
-              </a:rPr>
-              <a:t>mà</a:t>
-            </a:r>
-            <a:r>
-              <a:rPr lang="en-US" sz="2400" dirty="0" smtClean="0">
-                <a:latin typeface="+mj-lt"/>
-              </a:rPr>
-              <a:t> </a:t>
-            </a:r>
-            <a:r>
-              <a:rPr lang="en-US" sz="2400" dirty="0" err="1" smtClean="0">
-                <a:latin typeface="+mj-lt"/>
-              </a:rPr>
-              <a:t>không</a:t>
-            </a:r>
-            <a:r>
-              <a:rPr lang="en-US" sz="2400" dirty="0" smtClean="0">
-                <a:latin typeface="+mj-lt"/>
-              </a:rPr>
-              <a:t> </a:t>
-            </a:r>
-            <a:r>
-              <a:rPr lang="en-US" sz="2400" dirty="0" err="1" smtClean="0">
-                <a:latin typeface="+mj-lt"/>
-              </a:rPr>
-              <a:t>quan</a:t>
-            </a:r>
-            <a:r>
-              <a:rPr lang="en-US" sz="2400" dirty="0" smtClean="0">
-                <a:latin typeface="+mj-lt"/>
-              </a:rPr>
-              <a:t> </a:t>
-            </a:r>
-            <a:r>
-              <a:rPr lang="en-US" sz="2400" dirty="0" err="1" smtClean="0">
-                <a:latin typeface="+mj-lt"/>
-              </a:rPr>
-              <a:t>tâm</a:t>
-            </a:r>
-            <a:r>
-              <a:rPr lang="en-US" sz="2400" dirty="0" smtClean="0">
-                <a:latin typeface="+mj-lt"/>
-              </a:rPr>
-              <a:t> database </a:t>
-            </a:r>
-            <a:r>
-              <a:rPr lang="en-US" sz="2400" dirty="0" err="1" smtClean="0">
-                <a:latin typeface="+mj-lt"/>
-              </a:rPr>
-              <a:t>đang</a:t>
-            </a:r>
-            <a:r>
-              <a:rPr lang="en-US" sz="2400" dirty="0" smtClean="0">
-                <a:latin typeface="+mj-lt"/>
-              </a:rPr>
-              <a:t> </a:t>
-            </a:r>
-            <a:r>
-              <a:rPr lang="en-US" sz="2400" dirty="0" err="1" smtClean="0">
-                <a:latin typeface="+mj-lt"/>
-              </a:rPr>
-              <a:t>dùng</a:t>
-            </a:r>
-            <a:r>
-              <a:rPr lang="en-US" sz="2400" dirty="0" smtClean="0">
-                <a:latin typeface="+mj-lt"/>
-              </a:rPr>
-              <a:t> </a:t>
-            </a:r>
-            <a:r>
-              <a:rPr lang="en-US" sz="2400" dirty="0" err="1" smtClean="0">
-                <a:latin typeface="+mj-lt"/>
-              </a:rPr>
-              <a:t>là</a:t>
-            </a:r>
-            <a:r>
-              <a:rPr lang="en-US" sz="2400" dirty="0" smtClean="0">
-                <a:latin typeface="+mj-lt"/>
-              </a:rPr>
-              <a:t> </a:t>
-            </a:r>
-            <a:r>
-              <a:rPr lang="en-US" sz="2400" dirty="0" err="1" smtClean="0">
-                <a:latin typeface="+mj-lt"/>
-              </a:rPr>
-              <a:t>gì</a:t>
-            </a:r>
-            <a:r>
-              <a:rPr lang="en-US" sz="2400" dirty="0" smtClean="0">
-                <a:latin typeface="+mj-lt"/>
-              </a:rPr>
-              <a:t>.</a:t>
-            </a:r>
+            <a:endParaRPr lang="en-US" sz="2400" dirty="0"/>
+          </a:p>
+          <a:p>
+            <a:endParaRPr lang="en-US" dirty="0"/>
           </a:p>
         </p:txBody>
       </p:sp>
@@ -21623,22 +21646,19 @@
           <a:lstStyle/>
           <a:p>
             <a:r>
-              <a:rPr lang="en-US" b="1" dirty="0" err="1" smtClean="0"/>
-              <a:t>Khái</a:t>
-            </a:r>
-            <a:r>
-              <a:rPr lang="en-US" b="1" dirty="0" smtClean="0"/>
-              <a:t> </a:t>
-            </a:r>
-            <a:r>
-              <a:rPr lang="en-US" b="1" dirty="0" err="1" smtClean="0"/>
-              <a:t>niệm</a:t>
-            </a:r>
-            <a:r>
-              <a:rPr lang="en-US" b="1" dirty="0" smtClean="0"/>
-              <a:t> JPA</a:t>
-            </a:r>
-            <a:endParaRPr lang="en-US" b="1" dirty="0"/>
+              <a:rPr lang="en-US">
+                <a:sym typeface="+mn-ea"/>
+              </a:rPr>
+              <a:t>AOP - Aspect Oriented Programming (AOP) </a:t>
+            </a:r>
+            <a:r>
+              <a:rPr lang="en-US"/>
+              <a:t/>
+            </a:r>
+            <a:br>
+              <a:rPr lang="en-US"/>
+            </a:br>
+            <a:endParaRPr lang="en-US"/>
           </a:p>
         </p:txBody>
       </p:sp>
@@ -21652,72 +21672,62 @@
             <p:ph type="body" idx="1"/>
           </p:nvPr>
         </p:nvSpPr>
-        <p:spPr>
-          <a:xfrm>
-            <a:off x="822960" y="914400"/>
-            <a:ext cx="7520940" cy="4635500"/>
-          </a:xfrm>
-        </p:spPr>
+        <p:spPr/>
         <p:txBody>
           <a:bodyPr/>
           <a:lstStyle/>
           <a:p>
-            <a:pPr marL="571500" indent="-342900" fontAlgn="base">
-              <a:buFont typeface="Wingdings" panose="05000000000000000000" pitchFamily="2" charset="2"/>
-              <a:buChar char="§"/>
+            <a:pPr marL="514350" indent="-285750">
+              <a:buFont typeface="Wingdings" panose="05000000000000000000" charset="0"/>
+              <a:buChar char=""/>
             </a:pPr>
-            <a:r>
-              <a:rPr lang="vi-VN" sz="2400" b="0" dirty="0"/>
-              <a:t>Entity: Entity là các đối tượng thể hiện tương ứng 1 table trong cơ sở dữ liệu. Khi lập trình, entity thường là các class POJO đơn giản, chỉ gồm các method getter, setter</a:t>
-            </a:r>
-            <a:r>
-              <a:rPr lang="vi-VN" sz="2400" b="0" dirty="0" smtClean="0"/>
-              <a:t>. (POJO: </a:t>
-            </a:r>
-            <a:r>
-              <a:rPr lang="vi-VN" sz="2400" dirty="0" smtClean="0"/>
-              <a:t>plain </a:t>
-            </a:r>
-            <a:r>
-              <a:rPr lang="vi-VN" sz="2400" dirty="0"/>
-              <a:t>old Java </a:t>
-            </a:r>
-            <a:r>
-              <a:rPr lang="vi-VN" sz="2400" dirty="0" smtClean="0"/>
-              <a:t>object</a:t>
-            </a:r>
-            <a:r>
-              <a:rPr lang="vi-VN" sz="2400" b="0" dirty="0" smtClean="0"/>
-              <a:t>)</a:t>
-            </a:r>
-          </a:p>
-          <a:p>
-            <a:pPr marL="571500" indent="-342900" fontAlgn="base">
-              <a:buFont typeface="Wingdings" panose="05000000000000000000" pitchFamily="2" charset="2"/>
-              <a:buChar char="§"/>
+            <a:endParaRPr lang="en-US"/>
+          </a:p>
+          <a:p>
+            <a:pPr marL="514350" indent="-285750">
+              <a:buFont typeface="Wingdings" panose="05000000000000000000" charset="0"/>
+              <a:buChar char=""/>
             </a:pPr>
-            <a:r>
-              <a:rPr lang="vi-VN" sz="2400" b="0" dirty="0" smtClean="0"/>
-              <a:t>EntityManager</a:t>
-            </a:r>
-            <a:r>
-              <a:rPr lang="vi-VN" sz="2400" b="0" dirty="0"/>
-              <a:t>: EntityManager là một giao diện (interface) cung cấp các API cho việc tương tác với các Entity như </a:t>
-            </a:r>
-            <a:r>
-              <a:rPr lang="vi-VN" sz="2400" b="0" dirty="0" smtClean="0"/>
-              <a:t>Persist, merge, remove.</a:t>
-            </a:r>
-            <a:endParaRPr lang="vi-VN" sz="2400" b="0" dirty="0"/>
-          </a:p>
-          <a:p>
-            <a:pPr marL="571500" indent="-342900" fontAlgn="base">
-              <a:buFont typeface="Wingdings" panose="05000000000000000000" pitchFamily="2" charset="2"/>
-              <a:buChar char="§"/>
+            <a:endParaRPr lang="en-US"/>
+          </a:p>
+          <a:p>
+            <a:pPr marL="514350" indent="-285750" algn="just">
+              <a:buFont typeface="Wingdings" panose="05000000000000000000" charset="0"/>
+              <a:buChar char=""/>
             </a:pPr>
             <a:r>
-              <a:rPr lang="vi-VN" sz="2400" b="0" dirty="0"/>
-              <a:t>EntityManagerFactory: EntityManagerFactory được dùng để tạo ra một thể hiện của EntityManager.</a:t>
+              <a:rPr lang="en-US"/>
+              <a:t>Định Nghĩa</a:t>
+            </a:r>
+          </a:p>
+          <a:p>
+            <a:pPr marL="514350" indent="-285750" algn="just">
+              <a:buFont typeface="Wingdings" panose="05000000000000000000" charset="0"/>
+              <a:buChar char=""/>
+            </a:pPr>
+            <a:r>
+              <a:rPr lang="en-US"/>
+              <a:t>Cách Hoạt Động</a:t>
+            </a:r>
+          </a:p>
+          <a:p>
+            <a:pPr marL="514350" indent="-285750" algn="just">
+              <a:buFont typeface="Wingdings" panose="05000000000000000000" charset="0"/>
+              <a:buChar char=""/>
+            </a:pPr>
+            <a:r>
+              <a:rPr lang="en-US"/>
+              <a:t>Ưu Điểm</a:t>
+            </a:r>
+          </a:p>
+          <a:p>
+            <a:pPr marL="514350" indent="-285750" algn="just">
+              <a:buFont typeface="Wingdings" panose="05000000000000000000" charset="0"/>
+              <a:buChar char=""/>
+            </a:pPr>
+            <a:r>
+              <a:rPr lang="en-US"/>
+              <a:t>Nhược ĐIểm</a:t>
             </a:r>
           </a:p>
         </p:txBody>
@@ -21763,10 +21773,9 @@
           <a:lstStyle/>
           <a:p>
             <a:r>
-              <a:rPr lang="en-US" b="1" dirty="0" smtClean="0"/>
-              <a:t>Hibernate</a:t>
-            </a:r>
-            <a:endParaRPr lang="en-US" b="1" dirty="0"/>
+              <a:rPr lang="en-US"/>
+              <a:t>			AOP - Định Nghĩa</a:t>
+            </a:r>
           </a:p>
         </p:txBody>
       </p:sp>
@@ -21785,176 +21794,53 @@
           <a:bodyPr/>
           <a:lstStyle/>
           <a:p>
-            <a:pPr marL="514350" lvl="0" indent="-285750">
-              <a:buFont typeface="Wingdings" panose="05000000000000000000" pitchFamily="2" charset="2"/>
-              <a:buChar char="Ø"/>
+            <a:pPr algn="l"/>
+            <a:endParaRPr lang="en-US"/>
+          </a:p>
+          <a:p>
+            <a:pPr algn="l"/>
+            <a:endParaRPr lang="en-US"/>
+          </a:p>
+          <a:p>
+            <a:pPr algn="l"/>
+            <a:endParaRPr lang="en-US"/>
+          </a:p>
+          <a:p>
+            <a:pPr algn="l"/>
+            <a:r>
+              <a:rPr lang="en-US">
+                <a:sym typeface="+mn-ea"/>
+              </a:rPr>
+              <a:t>Aspect Oriented Programming (AOP) – lập trình hướng khía cạnh: là một kỹ </a:t>
+            </a:r>
+            <a:endParaRPr lang="en-US"/>
+          </a:p>
+          <a:p>
+            <a:pPr algn="l"/>
+            <a:r>
+              <a:rPr lang="en-US">
+                <a:sym typeface="+mn-ea"/>
+              </a:rPr>
+              <a:t>thuật lập trình (kiểu như lập trình hướng đối tượng) nhằm phân tách chương </a:t>
+            </a:r>
+            <a:endParaRPr lang="en-US"/>
+          </a:p>
+          <a:p>
+            <a:pPr algn="l"/>
+            <a:r>
+              <a:rPr lang="en-US">
+                <a:sym typeface="+mn-ea"/>
+              </a:rPr>
+              <a:t>trình thành các moudule riêng rẽ, phân biệt, không phụ thuộc nhau.</a:t>
+            </a:r>
+            <a:endParaRPr lang="en-US"/>
+          </a:p>
+          <a:p>
+            <a:pPr marL="514350" indent="-285750" algn="l">
+              <a:buFont typeface="Wingdings" panose="05000000000000000000" charset="0"/>
+              <a:buChar char=""/>
             </a:pPr>
-            <a:r>
-              <a:rPr lang="en-US" sz="2400" dirty="0"/>
-              <a:t>Hibernate </a:t>
-            </a:r>
-            <a:r>
-              <a:rPr lang="en-US" sz="2400" dirty="0" err="1"/>
-              <a:t>là</a:t>
-            </a:r>
-            <a:r>
-              <a:rPr lang="en-US" sz="2400" dirty="0"/>
-              <a:t> 1 ORM </a:t>
-            </a:r>
-            <a:r>
-              <a:rPr lang="en-US" sz="2400" dirty="0" smtClean="0"/>
-              <a:t>framework</a:t>
-            </a:r>
-          </a:p>
-          <a:p>
-            <a:pPr marL="514350" indent="-285750">
-              <a:buFont typeface="Wingdings" panose="05000000000000000000" pitchFamily="2" charset="2"/>
-              <a:buChar char="Ø"/>
-            </a:pPr>
-            <a:r>
-              <a:rPr lang="en-US" sz="2400" dirty="0" smtClean="0"/>
-              <a:t>(</a:t>
-            </a:r>
-            <a:r>
-              <a:rPr lang="vi-VN" sz="2400" dirty="0" smtClean="0"/>
-              <a:t>ORM: </a:t>
-            </a:r>
-            <a:r>
-              <a:rPr lang="vi-VN" sz="2400" b="0" dirty="0" smtClean="0"/>
-              <a:t>Object </a:t>
-            </a:r>
-            <a:r>
-              <a:rPr lang="vi-VN" sz="2400" b="0" dirty="0"/>
-              <a:t>Relational Mapping</a:t>
-            </a:r>
-            <a:r>
-              <a:rPr lang="en-US" sz="2400" dirty="0" smtClean="0"/>
-              <a:t>)</a:t>
-            </a:r>
-          </a:p>
-          <a:p>
-            <a:pPr marL="571500" lvl="0" indent="-342900">
-              <a:buFontTx/>
-              <a:buChar char="-"/>
-            </a:pPr>
-            <a:r>
-              <a:rPr lang="en-US" sz="2400" dirty="0" err="1" smtClean="0"/>
-              <a:t>Ánh</a:t>
-            </a:r>
-            <a:r>
-              <a:rPr lang="en-US" sz="2400" dirty="0" smtClean="0"/>
-              <a:t> </a:t>
-            </a:r>
-            <a:r>
-              <a:rPr lang="en-US" sz="2400" dirty="0" err="1" smtClean="0"/>
-              <a:t>xạ</a:t>
-            </a:r>
-            <a:r>
-              <a:rPr lang="en-US" sz="2400" dirty="0" smtClean="0"/>
-              <a:t> table </a:t>
-            </a:r>
-            <a:r>
-              <a:rPr lang="en-US" sz="2400" dirty="0" err="1" smtClean="0"/>
-              <a:t>trong</a:t>
-            </a:r>
-            <a:r>
-              <a:rPr lang="en-US" sz="2400" dirty="0" smtClean="0"/>
-              <a:t> database -&gt; class</a:t>
-            </a:r>
-          </a:p>
-          <a:p>
-            <a:pPr marL="571500" lvl="0" indent="-342900">
-              <a:buFontTx/>
-              <a:buChar char="-"/>
-            </a:pPr>
-            <a:r>
-              <a:rPr lang="en-US" sz="2400" dirty="0" err="1" smtClean="0"/>
-              <a:t>Ánh</a:t>
-            </a:r>
-            <a:r>
-              <a:rPr lang="en-US" sz="2400" dirty="0" smtClean="0"/>
-              <a:t> </a:t>
-            </a:r>
-            <a:r>
-              <a:rPr lang="en-US" sz="2400" dirty="0" err="1" smtClean="0"/>
-              <a:t>xạ</a:t>
-            </a:r>
-            <a:r>
-              <a:rPr lang="en-US" sz="2400" dirty="0" smtClean="0"/>
-              <a:t> </a:t>
-            </a:r>
-            <a:r>
-              <a:rPr lang="en-US" sz="2400" dirty="0" err="1" smtClean="0"/>
-              <a:t>các</a:t>
-            </a:r>
-            <a:r>
-              <a:rPr lang="en-US" sz="2400" dirty="0" smtClean="0"/>
-              <a:t> </a:t>
-            </a:r>
-            <a:r>
-              <a:rPr lang="en-US" sz="2400" dirty="0" err="1" smtClean="0"/>
-              <a:t>mqh</a:t>
-            </a:r>
-            <a:r>
-              <a:rPr lang="en-US" sz="2400" dirty="0" smtClean="0"/>
-              <a:t> </a:t>
-            </a:r>
-            <a:r>
-              <a:rPr lang="en-US" sz="2400" dirty="0" err="1" smtClean="0"/>
-              <a:t>giữa</a:t>
-            </a:r>
-            <a:r>
-              <a:rPr lang="en-US" sz="2400" dirty="0" smtClean="0"/>
-              <a:t> table- &gt; </a:t>
-            </a:r>
-            <a:r>
-              <a:rPr lang="en-US" sz="2400" dirty="0" err="1" smtClean="0"/>
-              <a:t>mqh</a:t>
-            </a:r>
-            <a:r>
-              <a:rPr lang="en-US" sz="2400" dirty="0" smtClean="0"/>
-              <a:t> </a:t>
-            </a:r>
-            <a:r>
-              <a:rPr lang="en-US" sz="2400" dirty="0" err="1" smtClean="0"/>
-              <a:t>giữa</a:t>
-            </a:r>
-            <a:r>
-              <a:rPr lang="en-US" sz="2400" dirty="0" smtClean="0"/>
-              <a:t> </a:t>
-            </a:r>
-            <a:r>
-              <a:rPr lang="en-US" sz="2400" dirty="0" err="1" smtClean="0"/>
-              <a:t>các</a:t>
-            </a:r>
-            <a:r>
-              <a:rPr lang="en-US" sz="2400" dirty="0" smtClean="0"/>
-              <a:t> object</a:t>
-            </a:r>
-            <a:endParaRPr lang="en-US" sz="2400" dirty="0"/>
-          </a:p>
-          <a:p>
-            <a:pPr lvl="1"/>
-            <a:r>
-              <a:rPr lang="vi-VN" sz="2400" dirty="0" smtClean="0"/>
-              <a:t>Hay </a:t>
-            </a:r>
-            <a:r>
-              <a:rPr lang="vi-VN" sz="2400" dirty="0"/>
-              <a:t>nói cách khác, Hibernate chính là cài đặt của JPA (JPA là 1 tập các interface, còn Hibernate implements các interface ấy 1 cách chi tiết</a:t>
-            </a:r>
-            <a:r>
-              <a:rPr lang="vi-VN" sz="2400" dirty="0" smtClean="0"/>
-              <a:t>).</a:t>
-            </a:r>
-            <a:endParaRPr lang="en-US" sz="2400" dirty="0" smtClean="0"/>
-          </a:p>
-          <a:p>
-            <a:pPr lvl="1"/>
-            <a:endParaRPr lang="en-US" sz="2400" dirty="0"/>
-          </a:p>
-          <a:p>
-            <a:endParaRPr lang="en-US" dirty="0"/>
+            <a:endParaRPr lang="en-US"/>
           </a:p>
         </p:txBody>
       </p:sp>
@@ -22002,15 +21888,8 @@
               <a:rPr lang="en-US">
                 <a:sym typeface="+mn-ea"/>
               </a:rPr>
-              <a:t>AOP - Aspect Oriented Programming (AOP) </a:t>
-            </a:r>
-            <a:r>
-              <a:rPr lang="en-US"/>
-              <a:t/>
-            </a:r>
-            <a:br>
-              <a:rPr lang="en-US"/>
-            </a:br>
+              <a:t>		AOP - Cách Hoạt Động  </a:t>
+            </a:r>
             <a:endParaRPr lang="en-US"/>
           </a:p>
         </p:txBody>
@@ -22030,6 +21909,22 @@
           <a:bodyPr/>
           <a:lstStyle/>
           <a:p>
+            <a:endParaRPr lang="en-US"/>
+          </a:p>
+          <a:p>
+            <a:endParaRPr lang="en-US"/>
+          </a:p>
+          <a:p>
+            <a:pPr marL="514350" indent="-285750">
+              <a:buFont typeface="Wingdings" panose="05000000000000000000" charset="0"/>
+              <a:buChar char=""/>
+            </a:pPr>
+            <a:r>
+              <a:rPr lang="en-US"/>
+              <a:t>Chương trình sẽ kết hợp các module lại để thực hiện các chức năng nhưng khi sửa đổi 1 chức năng thì chỉ cần sửa 1 module.</a:t>
+            </a:r>
+          </a:p>
+          <a:p>
             <a:pPr marL="514350" indent="-285750">
               <a:buFont typeface="Wingdings" panose="05000000000000000000" charset="0"/>
               <a:buChar char=""/>
@@ -22041,46 +21936,9 @@
               <a:buFont typeface="Wingdings" panose="05000000000000000000" charset="0"/>
               <a:buChar char=""/>
             </a:pPr>
-            <a:endParaRPr lang="en-US"/>
-          </a:p>
-          <a:p>
-            <a:pPr marL="514350" indent="-285750" algn="just">
-              <a:buFont typeface="Wingdings" panose="05000000000000000000" charset="0"/>
-              <a:buChar char=""/>
-            </a:pPr>
             <a:r>
               <a:rPr lang="en-US"/>
-              <a:t>Định Nghĩa</a:t>
-            </a:r>
-          </a:p>
-          <a:p>
-            <a:pPr marL="514350" indent="-285750" algn="just">
-              <a:buFont typeface="Wingdings" panose="05000000000000000000" charset="0"/>
-              <a:buChar char=""/>
-            </a:pPr>
-            <a:r>
-              <a:rPr lang="en-US"/>
-              <a:t>Cách Hoạt Động</a:t>
-            </a:r>
-          </a:p>
-          <a:p>
-            <a:pPr marL="514350" indent="-285750" algn="just">
-              <a:buFont typeface="Wingdings" panose="05000000000000000000" charset="0"/>
-              <a:buChar char=""/>
-            </a:pPr>
-            <a:r>
-              <a:rPr lang="en-US"/>
-              <a:t>Ưu Điểm</a:t>
-            </a:r>
-          </a:p>
-          <a:p>
-            <a:pPr marL="514350" indent="-285750" algn="just">
-              <a:buFont typeface="Wingdings" panose="05000000000000000000" charset="0"/>
-              <a:buChar char=""/>
-            </a:pPr>
-            <a:r>
-              <a:rPr lang="en-US"/>
-              <a:t>Nhược ĐIểm</a:t>
+              <a:t>Trong java AOP được support thông qua interface</a:t>
             </a:r>
           </a:p>
         </p:txBody>
@@ -22126,9 +21984,12 @@
           <a:lstStyle/>
           <a:p>
             <a:r>
-              <a:rPr lang="en-US"/>
-              <a:t>			AOP - Định Nghĩa</a:t>
-            </a:r>
+              <a:rPr lang="en-US">
+                <a:sym typeface="+mn-ea"/>
+              </a:rPr>
+              <a:t>		AOP - Cách Hoạt Động  </a:t>
+            </a:r>
+            <a:endParaRPr lang="en-US"/>
           </a:p>
         </p:txBody>
       </p:sp>
@@ -22147,56 +22008,34 @@
           <a:bodyPr/>
           <a:lstStyle/>
           <a:p>
-            <a:pPr algn="l"/>
-            <a:endParaRPr lang="en-US"/>
-          </a:p>
-          <a:p>
-            <a:pPr algn="l"/>
-            <a:endParaRPr lang="en-US"/>
-          </a:p>
-          <a:p>
-            <a:pPr algn="l"/>
-            <a:endParaRPr lang="en-US"/>
-          </a:p>
-          <a:p>
-            <a:pPr algn="l"/>
-            <a:r>
-              <a:rPr lang="en-US">
-                <a:sym typeface="+mn-ea"/>
-              </a:rPr>
-              <a:t>Aspect Oriented Programming (AOP) – lập trình hướng khía cạnh: là một kỹ </a:t>
-            </a:r>
-            <a:endParaRPr lang="en-US"/>
-          </a:p>
-          <a:p>
-            <a:pPr algn="l"/>
-            <a:r>
-              <a:rPr lang="en-US">
-                <a:sym typeface="+mn-ea"/>
-              </a:rPr>
-              <a:t>thuật lập trình (kiểu như lập trình hướng đối tượng) nhằm phân tách chương </a:t>
-            </a:r>
-            <a:endParaRPr lang="en-US"/>
-          </a:p>
-          <a:p>
-            <a:pPr algn="l"/>
-            <a:r>
-              <a:rPr lang="en-US">
-                <a:sym typeface="+mn-ea"/>
-              </a:rPr>
-              <a:t>trình thành các moudule riêng rẽ, phân biệt, không phụ thuộc nhau.</a:t>
-            </a:r>
-            <a:endParaRPr lang="en-US"/>
-          </a:p>
-          <a:p>
-            <a:pPr marL="514350" indent="-285750" algn="l">
-              <a:buFont typeface="Wingdings" panose="05000000000000000000" charset="0"/>
-              <a:buChar char=""/>
-            </a:pPr>
             <a:endParaRPr lang="en-US"/>
           </a:p>
         </p:txBody>
       </p:sp>
+      <p:pic>
+        <p:nvPicPr>
+          <p:cNvPr id="6" name="Picture 5"/>
+          <p:cNvPicPr>
+            <a:picLocks noChangeAspect="1"/>
+          </p:cNvPicPr>
+          <p:nvPr/>
+        </p:nvPicPr>
+        <p:blipFill>
+          <a:blip r:embed="rId2"/>
+          <a:stretch>
+            <a:fillRect/>
+          </a:stretch>
+        </p:blipFill>
+        <p:spPr>
+          <a:xfrm>
+            <a:off x="822960" y="1100455"/>
+            <a:ext cx="7520940" cy="3596640"/>
+          </a:xfrm>
+          <a:prstGeom prst="rect">
+            <a:avLst/>
+          </a:prstGeom>
+        </p:spPr>
+      </p:pic>
     </p:spTree>
   </p:cSld>
   <p:clrMapOvr>
@@ -22238,12 +22077,9 @@
           <a:lstStyle/>
           <a:p>
             <a:r>
-              <a:rPr lang="en-US">
-                <a:sym typeface="+mn-ea"/>
-              </a:rPr>
-              <a:t>		AOP - Cách Hoạt Động  </a:t>
-            </a:r>
-            <a:endParaRPr lang="en-US"/>
+              <a:rPr lang="en-US"/>
+              <a:t>			AOP - Ưu Điểm</a:t>
+            </a:r>
           </a:p>
         </p:txBody>
       </p:sp>
@@ -22262,36 +22098,54 @@
           <a:bodyPr/>
           <a:lstStyle/>
           <a:p>
-            <a:endParaRPr lang="en-US"/>
-          </a:p>
-          <a:p>
-            <a:endParaRPr lang="en-US"/>
-          </a:p>
-          <a:p>
             <a:pPr marL="514350" indent="-285750">
               <a:buFont typeface="Wingdings" panose="05000000000000000000" charset="0"/>
-              <a:buChar char=""/>
+              <a:buChar char=""/>
             </a:pPr>
-            <a:r>
-              <a:rPr lang="en-US"/>
-              <a:t>Chương trình sẽ kết hợp các module lại để thực hiện các chức năng nhưng khi sửa đổi 1 chức năng thì chỉ cần sửa 1 module.</a:t>
-            </a:r>
+            <a:endParaRPr lang="en-US"/>
           </a:p>
           <a:p>
             <a:pPr marL="514350" indent="-285750">
               <a:buFont typeface="Wingdings" panose="05000000000000000000" charset="0"/>
-              <a:buChar char=""/>
+              <a:buChar char=""/>
+            </a:pPr>
+            <a:r>
+              <a:rPr lang="en-US"/>
+              <a:t>Thiết kế đơn giản:   chúng ta chỉ cài đặt những thứ chúng ta thực sự cần mà không bao giờ cài đặt trước.</a:t>
+            </a:r>
+          </a:p>
+          <a:p>
+            <a:pPr marL="514350" indent="-285750">
+              <a:buFont typeface="Wingdings" panose="05000000000000000000" charset="0"/>
+              <a:buChar char=""/>
             </a:pPr>
             <a:endParaRPr lang="en-US"/>
           </a:p>
           <a:p>
             <a:pPr marL="514350" indent="-285750">
               <a:buFont typeface="Wingdings" panose="05000000000000000000" charset="0"/>
-              <a:buChar char=""/>
+              <a:buChar char=""/>
             </a:pPr>
             <a:r>
               <a:rPr lang="en-US"/>
-              <a:t>Trong java AOP được support thông qua interface</a:t>
+              <a:t>Cài đặt chương trình một cách trong sáng: mỗi một module chỉ làm cái mà nó cần phải làm, giải quyết được hai vấn đề code tangling và code scattering.</a:t>
+            </a:r>
+          </a:p>
+          <a:p>
+            <a:pPr marL="514350" indent="-285750">
+              <a:buFont typeface="Wingdings" panose="05000000000000000000" charset="0"/>
+              <a:buChar char=""/>
+            </a:pPr>
+            <a:endParaRPr lang="en-US"/>
+          </a:p>
+          <a:p>
+            <a:pPr marL="514350" indent="-285750">
+              <a:buFont typeface="Wingdings" panose="05000000000000000000" charset="0"/>
+              <a:buChar char=""/>
+            </a:pPr>
+            <a:r>
+              <a:rPr lang="en-US"/>
+              <a:t>Tái sử dụng dễ dàng.</a:t>
             </a:r>
           </a:p>
         </p:txBody>
@@ -22688,12 +22542,9 @@
           <a:lstStyle/>
           <a:p>
             <a:r>
-              <a:rPr lang="en-US">
-                <a:sym typeface="+mn-ea"/>
-              </a:rPr>
-              <a:t>		AOP - Cách Hoạt Động  </a:t>
-            </a:r>
-            <a:endParaRPr lang="en-US"/>
+              <a:rPr lang="en-US"/>
+              <a:t>			AOP - Nhược Điểm</a:t>
+            </a:r>
           </a:p>
         </p:txBody>
       </p:sp>
@@ -22712,34 +22563,48 @@
           <a:bodyPr/>
           <a:lstStyle/>
           <a:p>
+            <a:pPr marL="514350" indent="-285750">
+              <a:buFont typeface="Wingdings" panose="05000000000000000000" charset="0"/>
+              <a:buChar char=""/>
+            </a:pPr>
             <a:endParaRPr lang="en-US"/>
+          </a:p>
+          <a:p>
+            <a:pPr marL="514350" indent="-285750">
+              <a:buFont typeface="Wingdings" panose="05000000000000000000" charset="0"/>
+              <a:buChar char=""/>
+            </a:pPr>
+            <a:endParaRPr lang="en-US"/>
+          </a:p>
+          <a:p>
+            <a:pPr marL="514350" indent="-285750">
+              <a:buFont typeface="Wingdings" panose="05000000000000000000" charset="0"/>
+              <a:buChar char=""/>
+            </a:pPr>
+            <a:r>
+              <a:rPr lang="en-US"/>
+              <a:t>Khái nhiệm khá trừu tượng, độ trừu tượng của chương trình cao</a:t>
+            </a:r>
+          </a:p>
+          <a:p>
+            <a:pPr marL="514350" indent="-285750">
+              <a:buFont typeface="Wingdings" panose="05000000000000000000" charset="0"/>
+              <a:buChar char=""/>
+            </a:pPr>
+            <a:endParaRPr lang="en-US"/>
+          </a:p>
+          <a:p>
+            <a:pPr marL="514350" indent="-285750">
+              <a:buFont typeface="Wingdings" panose="05000000000000000000" charset="0"/>
+              <a:buChar char=""/>
+            </a:pPr>
+            <a:r>
+              <a:rPr lang="en-US"/>
+              <a:t>Luồng chương trình phức tạp.</a:t>
+            </a:r>
           </a:p>
         </p:txBody>
       </p:sp>
-      <p:pic>
-        <p:nvPicPr>
-          <p:cNvPr id="6" name="Picture 5"/>
-          <p:cNvPicPr>
-            <a:picLocks noChangeAspect="1"/>
-          </p:cNvPicPr>
-          <p:nvPr/>
-        </p:nvPicPr>
-        <p:blipFill>
-          <a:blip r:embed="rId2"/>
-          <a:stretch>
-            <a:fillRect/>
-          </a:stretch>
-        </p:blipFill>
-        <p:spPr>
-          <a:xfrm>
-            <a:off x="822960" y="1100455"/>
-            <a:ext cx="7520940" cy="3596640"/>
-          </a:xfrm>
-          <a:prstGeom prst="rect">
-            <a:avLst/>
-          </a:prstGeom>
-        </p:spPr>
-      </p:pic>
     </p:spTree>
   </p:cSld>
   <p:clrMapOvr>
@@ -22782,7 +22647,7 @@
           <a:p>
             <a:r>
               <a:rPr lang="en-US"/>
-              <a:t>			AOP - Ưu Điểm</a:t>
+              <a:t>		Spring Security</a:t>
             </a:r>
           </a:p>
         </p:txBody>
@@ -22802,54 +22667,34 @@
           <a:bodyPr/>
           <a:lstStyle/>
           <a:p>
-            <a:pPr marL="514350" indent="-285750">
+            <a:pPr marL="514350" indent="-285750" algn="l">
               <a:buFont typeface="Wingdings" panose="05000000000000000000" charset="0"/>
               <a:buChar char=""/>
             </a:pPr>
             <a:endParaRPr lang="en-US"/>
           </a:p>
           <a:p>
-            <a:pPr marL="514350" indent="-285750">
-              <a:buFont typeface="Wingdings" panose="05000000000000000000" charset="0"/>
-              <a:buChar char=""/>
-            </a:pPr>
-            <a:r>
-              <a:rPr lang="en-US"/>
-              <a:t>Thiết kế đơn giản:   chúng ta chỉ cài đặt những thứ chúng ta thực sự cần mà không bao giờ cài đặt trước.</a:t>
-            </a:r>
-          </a:p>
-          <a:p>
-            <a:pPr marL="514350" indent="-285750">
+            <a:pPr marL="514350" indent="-285750" algn="l">
               <a:buFont typeface="Wingdings" panose="05000000000000000000" charset="0"/>
               <a:buChar char=""/>
             </a:pPr>
             <a:endParaRPr lang="en-US"/>
           </a:p>
           <a:p>
-            <a:pPr marL="514350" indent="-285750">
-              <a:buFont typeface="Wingdings" panose="05000000000000000000" charset="0"/>
-              <a:buChar char=""/>
-            </a:pPr>
-            <a:r>
-              <a:rPr lang="en-US"/>
-              <a:t>Cài đặt chương trình một cách trong sáng: mỗi một module chỉ làm cái mà nó cần phải làm, giải quyết được hai vấn đề code tangling và code scattering.</a:t>
-            </a:r>
-          </a:p>
-          <a:p>
-            <a:pPr marL="514350" indent="-285750">
+            <a:pPr marL="514350" indent="-285750" algn="l">
               <a:buFont typeface="Wingdings" panose="05000000000000000000" charset="0"/>
               <a:buChar char=""/>
             </a:pPr>
             <a:endParaRPr lang="en-US"/>
           </a:p>
           <a:p>
-            <a:pPr marL="514350" indent="-285750">
+            <a:pPr marL="514350" indent="-285750" algn="l">
               <a:buFont typeface="Wingdings" panose="05000000000000000000" charset="0"/>
               <a:buChar char=""/>
             </a:pPr>
             <a:r>
               <a:rPr lang="en-US"/>
-              <a:t>Tái sử dụng dễ dàng.</a:t>
+              <a:t>Spring Security là một dự án nổi bật trong hệ sinh thái Spring. Spring Security cung cấp các dịch vụ bảo mật toàn diện cho các ứng dụng doanh nghiệp có nền tảng Java EE.</a:t>
             </a:r>
           </a:p>
         </p:txBody>
@@ -22896,7 +22741,7 @@
           <a:p>
             <a:r>
               <a:rPr lang="en-US"/>
-              <a:t>			AOP - Nhược Điểm</a:t>
+              <a:t>		Spring security - Cơ Chế</a:t>
             </a:r>
           </a:p>
         </p:txBody>
@@ -22920,7 +22765,10 @@
               <a:buFont typeface="Wingdings" panose="05000000000000000000" charset="0"/>
               <a:buChar char=""/>
             </a:pPr>
-            <a:endParaRPr lang="en-US"/>
+            <a:r>
+              <a:rPr lang="en-US"/>
+              <a:t>Spring Security cung cấp 2 cơ chế cơ bản:</a:t>
+            </a:r>
           </a:p>
           <a:p>
             <a:pPr marL="514350" indent="-285750">
@@ -22930,30 +22778,23 @@
             <a:endParaRPr lang="en-US"/>
           </a:p>
           <a:p>
-            <a:pPr marL="514350" indent="-285750">
+            <a:pPr marL="971550" lvl="1" indent="-285750">
               <a:buFont typeface="Wingdings" panose="05000000000000000000" charset="0"/>
-              <a:buChar char=""/>
+              <a:buChar char=""/>
             </a:pPr>
             <a:r>
               <a:rPr lang="en-US"/>
-              <a:t>Khái nhiệm khá trừu tượng, độ trừu tượng của chương trình cao</a:t>
-            </a:r>
-          </a:p>
-          <a:p>
-            <a:pPr marL="514350" indent="-285750">
+              <a:t>Authentication (xác thực): là tiến trình thiết lập một principal. Principal có thể hiểu là một người, hoặc một thiết bị, hoặc một hệ thống nào đó có thể thực hiện một hành động trong ứng dụng của bạn.</a:t>
+            </a:r>
+          </a:p>
+          <a:p>
+            <a:pPr marL="971550" lvl="1" indent="-285750">
               <a:buFont typeface="Wingdings" panose="05000000000000000000" charset="0"/>
-              <a:buChar char=""/>
+              <a:buChar char=""/>
             </a:pPr>
-            <a:endParaRPr lang="en-US"/>
-          </a:p>
-          <a:p>
-            <a:pPr marL="514350" indent="-285750">
-              <a:buFont typeface="Wingdings" panose="05000000000000000000" charset="0"/>
-              <a:buChar char=""/>
-            </a:pPr>
             <a:r>
               <a:rPr lang="en-US"/>
-              <a:t>Luồng chương trình phức tạp.</a:t>
+              <a:t>Authorization (phân quyền) hay Access-control: là tiến trình quyết định xem một principal có được phép thực hiện một hành động trong ứng dụng của bạn hay không. Trước khi diễn tiến tới Authorization, principal cần phải được thiết lập bởi Authentication.</a:t>
             </a:r>
           </a:p>
         </p:txBody>
@@ -23000,7 +22841,7 @@
           <a:p>
             <a:r>
               <a:rPr lang="en-US"/>
-              <a:t>		Spring Security</a:t>
+              <a:t>		Security - Cách Hoạt Động</a:t>
             </a:r>
           </a:p>
         </p:txBody>
@@ -23020,38 +22861,34 @@
           <a:bodyPr/>
           <a:lstStyle/>
           <a:p>
-            <a:pPr marL="514350" indent="-285750" algn="l">
-              <a:buFont typeface="Wingdings" panose="05000000000000000000" charset="0"/>
-              <a:buChar char=""/>
-            </a:pPr>
             <a:endParaRPr lang="en-US"/>
-          </a:p>
-          <a:p>
-            <a:pPr marL="514350" indent="-285750" algn="l">
-              <a:buFont typeface="Wingdings" panose="05000000000000000000" charset="0"/>
-              <a:buChar char=""/>
-            </a:pPr>
-            <a:endParaRPr lang="en-US"/>
-          </a:p>
-          <a:p>
-            <a:pPr marL="514350" indent="-285750" algn="l">
-              <a:buFont typeface="Wingdings" panose="05000000000000000000" charset="0"/>
-              <a:buChar char=""/>
-            </a:pPr>
-            <a:endParaRPr lang="en-US"/>
-          </a:p>
-          <a:p>
-            <a:pPr marL="514350" indent="-285750" algn="l">
-              <a:buFont typeface="Wingdings" panose="05000000000000000000" charset="0"/>
-              <a:buChar char=""/>
-            </a:pPr>
-            <a:r>
-              <a:rPr lang="en-US"/>
-              <a:t>Spring Security là một dự án nổi bật trong hệ sinh thái Spring. Spring Security cung cấp các dịch vụ bảo mật toàn diện cho các ứng dụng doanh nghiệp có nền tảng Java EE.</a:t>
-            </a:r>
           </a:p>
         </p:txBody>
       </p:sp>
+      <p:pic>
+        <p:nvPicPr>
+          <p:cNvPr id="4" name="Picture 3"/>
+          <p:cNvPicPr>
+            <a:picLocks noChangeAspect="1"/>
+          </p:cNvPicPr>
+          <p:nvPr/>
+        </p:nvPicPr>
+        <p:blipFill>
+          <a:blip r:embed="rId2"/>
+          <a:stretch>
+            <a:fillRect/>
+          </a:stretch>
+        </p:blipFill>
+        <p:spPr>
+          <a:xfrm>
+            <a:off x="99060" y="1100455"/>
+            <a:ext cx="8969375" cy="3795395"/>
+          </a:xfrm>
+          <a:prstGeom prst="rect">
+            <a:avLst/>
+          </a:prstGeom>
+        </p:spPr>
+      </p:pic>
     </p:spTree>
   </p:cSld>
   <p:clrMapOvr>
@@ -23094,7 +22931,7 @@
           <a:p>
             <a:r>
               <a:rPr lang="en-US"/>
-              <a:t>		Spring security - Cơ Chế</a:t>
+              <a:t>	Authentication - Cơ Chết Hoạt Động</a:t>
             </a:r>
           </a:p>
         </p:txBody>
@@ -23114,44 +22951,34 @@
           <a:bodyPr/>
           <a:lstStyle/>
           <a:p>
-            <a:pPr marL="514350" indent="-285750">
-              <a:buFont typeface="Wingdings" panose="05000000000000000000" charset="0"/>
-              <a:buChar char=""/>
-            </a:pPr>
-            <a:r>
-              <a:rPr lang="en-US"/>
-              <a:t>Spring Security cung cấp 2 cơ chế cơ bản:</a:t>
-            </a:r>
-          </a:p>
-          <a:p>
-            <a:pPr marL="514350" indent="-285750">
-              <a:buFont typeface="Wingdings" panose="05000000000000000000" charset="0"/>
-              <a:buChar char=""/>
-            </a:pPr>
             <a:endParaRPr lang="en-US"/>
-          </a:p>
-          <a:p>
-            <a:pPr marL="971550" lvl="1" indent="-285750">
-              <a:buFont typeface="Wingdings" panose="05000000000000000000" charset="0"/>
-              <a:buChar char=""/>
-            </a:pPr>
-            <a:r>
-              <a:rPr lang="en-US"/>
-              <a:t>Authentication (xác thực): là tiến trình thiết lập một principal. Principal có thể hiểu là một người, hoặc một thiết bị, hoặc một hệ thống nào đó có thể thực hiện một hành động trong ứng dụng của bạn.</a:t>
-            </a:r>
-          </a:p>
-          <a:p>
-            <a:pPr marL="971550" lvl="1" indent="-285750">
-              <a:buFont typeface="Wingdings" panose="05000000000000000000" charset="0"/>
-              <a:buChar char=""/>
-            </a:pPr>
-            <a:r>
-              <a:rPr lang="en-US"/>
-              <a:t>Authorization (phân quyền) hay Access-control: là tiến trình quyết định xem một principal có được phép thực hiện một hành động trong ứng dụng của bạn hay không. Trước khi diễn tiến tới Authorization, principal cần phải được thiết lập bởi Authentication.</a:t>
-            </a:r>
           </a:p>
         </p:txBody>
       </p:sp>
+      <p:pic>
+        <p:nvPicPr>
+          <p:cNvPr id="4" name="Picture 3"/>
+          <p:cNvPicPr>
+            <a:picLocks noChangeAspect="1"/>
+          </p:cNvPicPr>
+          <p:nvPr/>
+        </p:nvPicPr>
+        <p:blipFill>
+          <a:blip r:embed="rId2"/>
+          <a:stretch>
+            <a:fillRect/>
+          </a:stretch>
+        </p:blipFill>
+        <p:spPr>
+          <a:xfrm>
+            <a:off x="1137285" y="883285"/>
+            <a:ext cx="6035675" cy="4013835"/>
+          </a:xfrm>
+          <a:prstGeom prst="rect">
+            <a:avLst/>
+          </a:prstGeom>
+        </p:spPr>
+      </p:pic>
     </p:spTree>
   </p:cSld>
   <p:clrMapOvr>
@@ -23194,7 +23021,7 @@
           <a:p>
             <a:r>
               <a:rPr lang="en-US"/>
-              <a:t>		Security - Cách Hoạt Động</a:t>
+              <a:t>		WEB MVC - RESTFUL API</a:t>
             </a:r>
           </a:p>
         </p:txBody>
@@ -23234,8 +23061,8 @@
         </p:blipFill>
         <p:spPr>
           <a:xfrm>
-            <a:off x="99060" y="1100455"/>
-            <a:ext cx="8969375" cy="3795395"/>
+            <a:off x="638175" y="1100455"/>
+            <a:ext cx="7823200" cy="3663315"/>
           </a:xfrm>
           <a:prstGeom prst="rect">
             <a:avLst/>
@@ -23284,186 +23111,6 @@
           <a:p>
             <a:r>
               <a:rPr lang="en-US"/>
-              <a:t>	Authentication - Cơ Chết Hoạt Động</a:t>
-            </a:r>
-          </a:p>
-        </p:txBody>
-      </p:sp>
-      <p:sp>
-        <p:nvSpPr>
-          <p:cNvPr id="3" name="Text Placeholder 2"/>
-          <p:cNvSpPr>
-            <a:spLocks noGrp="1"/>
-          </p:cNvSpPr>
-          <p:nvPr>
-            <p:ph type="body" idx="1"/>
-          </p:nvPr>
-        </p:nvSpPr>
-        <p:spPr/>
-        <p:txBody>
-          <a:bodyPr/>
-          <a:lstStyle/>
-          <a:p>
-            <a:endParaRPr lang="en-US"/>
-          </a:p>
-        </p:txBody>
-      </p:sp>
-      <p:pic>
-        <p:nvPicPr>
-          <p:cNvPr id="4" name="Picture 3"/>
-          <p:cNvPicPr>
-            <a:picLocks noChangeAspect="1"/>
-          </p:cNvPicPr>
-          <p:nvPr/>
-        </p:nvPicPr>
-        <p:blipFill>
-          <a:blip r:embed="rId2"/>
-          <a:stretch>
-            <a:fillRect/>
-          </a:stretch>
-        </p:blipFill>
-        <p:spPr>
-          <a:xfrm>
-            <a:off x="1137285" y="883285"/>
-            <a:ext cx="6035675" cy="4013835"/>
-          </a:xfrm>
-          <a:prstGeom prst="rect">
-            <a:avLst/>
-          </a:prstGeom>
-        </p:spPr>
-      </p:pic>
-    </p:spTree>
-  </p:cSld>
-  <p:clrMapOvr>
-    <a:masterClrMapping/>
-  </p:clrMapOvr>
-</p:sld>
-</file>
-
-<file path=ppt/slides/slide47.xml><?xml version="1.0" encoding="utf-8"?>
-<p:sld xmlns:a="http://schemas.openxmlformats.org/drawingml/2006/main" xmlns:r="http://schemas.openxmlformats.org/officeDocument/2006/relationships" xmlns:p="http://schemas.openxmlformats.org/presentationml/2006/main">
-  <p:cSld>
-    <p:spTree>
-      <p:nvGrpSpPr>
-        <p:cNvPr id="1" name=""/>
-        <p:cNvGrpSpPr/>
-        <p:nvPr/>
-      </p:nvGrpSpPr>
-      <p:grpSpPr>
-        <a:xfrm>
-          <a:off x="0" y="0"/>
-          <a:ext cx="0" cy="0"/>
-          <a:chOff x="0" y="0"/>
-          <a:chExt cx="0" cy="0"/>
-        </a:xfrm>
-      </p:grpSpPr>
-      <p:sp>
-        <p:nvSpPr>
-          <p:cNvPr id="2" name="Title 1"/>
-          <p:cNvSpPr>
-            <a:spLocks noGrp="1"/>
-          </p:cNvSpPr>
-          <p:nvPr>
-            <p:ph type="title"/>
-          </p:nvPr>
-        </p:nvSpPr>
-        <p:spPr/>
-        <p:txBody>
-          <a:bodyPr/>
-          <a:lstStyle/>
-          <a:p>
-            <a:r>
-              <a:rPr lang="en-US"/>
-              <a:t>		WEB MVC - RESTFUL API</a:t>
-            </a:r>
-          </a:p>
-        </p:txBody>
-      </p:sp>
-      <p:sp>
-        <p:nvSpPr>
-          <p:cNvPr id="3" name="Text Placeholder 2"/>
-          <p:cNvSpPr>
-            <a:spLocks noGrp="1"/>
-          </p:cNvSpPr>
-          <p:nvPr>
-            <p:ph type="body" idx="1"/>
-          </p:nvPr>
-        </p:nvSpPr>
-        <p:spPr/>
-        <p:txBody>
-          <a:bodyPr/>
-          <a:lstStyle/>
-          <a:p>
-            <a:endParaRPr lang="en-US"/>
-          </a:p>
-        </p:txBody>
-      </p:sp>
-      <p:pic>
-        <p:nvPicPr>
-          <p:cNvPr id="4" name="Picture 3"/>
-          <p:cNvPicPr>
-            <a:picLocks noChangeAspect="1"/>
-          </p:cNvPicPr>
-          <p:nvPr/>
-        </p:nvPicPr>
-        <p:blipFill>
-          <a:blip r:embed="rId2"/>
-          <a:stretch>
-            <a:fillRect/>
-          </a:stretch>
-        </p:blipFill>
-        <p:spPr>
-          <a:xfrm>
-            <a:off x="638175" y="1100455"/>
-            <a:ext cx="7823200" cy="3663315"/>
-          </a:xfrm>
-          <a:prstGeom prst="rect">
-            <a:avLst/>
-          </a:prstGeom>
-        </p:spPr>
-      </p:pic>
-    </p:spTree>
-  </p:cSld>
-  <p:clrMapOvr>
-    <a:masterClrMapping/>
-  </p:clrMapOvr>
-</p:sld>
-</file>
-
-<file path=ppt/slides/slide48.xml><?xml version="1.0" encoding="utf-8"?>
-<p:sld xmlns:a="http://schemas.openxmlformats.org/drawingml/2006/main" xmlns:r="http://schemas.openxmlformats.org/officeDocument/2006/relationships" xmlns:p="http://schemas.openxmlformats.org/presentationml/2006/main">
-  <p:cSld>
-    <p:spTree>
-      <p:nvGrpSpPr>
-        <p:cNvPr id="1" name=""/>
-        <p:cNvGrpSpPr/>
-        <p:nvPr/>
-      </p:nvGrpSpPr>
-      <p:grpSpPr>
-        <a:xfrm>
-          <a:off x="0" y="0"/>
-          <a:ext cx="0" cy="0"/>
-          <a:chOff x="0" y="0"/>
-          <a:chExt cx="0" cy="0"/>
-        </a:xfrm>
-      </p:grpSpPr>
-      <p:sp>
-        <p:nvSpPr>
-          <p:cNvPr id="2" name="Title 1"/>
-          <p:cNvSpPr>
-            <a:spLocks noGrp="1"/>
-          </p:cNvSpPr>
-          <p:nvPr>
-            <p:ph type="title"/>
-          </p:nvPr>
-        </p:nvSpPr>
-        <p:spPr/>
-        <p:txBody>
-          <a:bodyPr/>
-          <a:lstStyle/>
-          <a:p>
-            <a:r>
-              <a:rPr lang="en-US"/>
               <a:t>		AUTHENTICATION - JWT</a:t>
             </a:r>
           </a:p>
@@ -23520,7 +23167,7 @@
 </p:sld>
 </file>
 
-<file path=ppt/slides/slide49.xml><?xml version="1.0" encoding="utf-8"?>
+<file path=ppt/slides/slide47.xml><?xml version="1.0" encoding="utf-8"?>
 <p:sld xmlns:a="http://schemas.openxmlformats.org/drawingml/2006/main" xmlns:r="http://schemas.openxmlformats.org/officeDocument/2006/relationships" xmlns:p="http://schemas.openxmlformats.org/presentationml/2006/main">
   <p:cSld>
     <p:spTree>
